--- a/Презентация 19.pptx
+++ b/Презентация 19.pptx
@@ -13,7 +13,8 @@
     <p:sldId id="261" r:id="rId7"/>
     <p:sldId id="262" r:id="rId8"/>
     <p:sldId id="263" r:id="rId9"/>
-    <p:sldId id="264" r:id="rId10"/>
+    <p:sldId id="265" r:id="rId10"/>
+    <p:sldId id="264" r:id="rId11"/>
   </p:sldIdLst>
   <p:sldSz cx="12192000" cy="6858000"/>
   <p:notesSz cx="6858000" cy="9144000"/>
@@ -123,6 +124,7 @@
 <file path=ppt/revisionInfo.xml><?xml version="1.0" encoding="utf-8"?>
 <p1510:revInfo xmlns:a="http://schemas.openxmlformats.org/drawingml/2006/main" xmlns:r="http://schemas.openxmlformats.org/officeDocument/2006/relationships" xmlns:p1510="http://schemas.microsoft.com/office/powerpoint/2015/10/main">
   <p1510:revLst>
+    <p1510:client id="{1FA4C681-34CD-49F5-BE73-3D629DB253D6}" v="674" dt="2021-05-10T17:37:46.943"/>
     <p1510:client id="{4B53F7E8-161F-481C-B2E2-635BF4BE3FAC}" v="1088" dt="2021-05-08T18:49:56.061"/>
     <p1510:client id="{507B3101-0F09-4E21-9699-A85FC6B9187B}" v="639" dt="2021-05-08T17:19:36.363"/>
   </p1510:revLst>
@@ -7352,7 +7354,7 @@
           <a:p>
             <a:fld id="{C764DE79-268F-4C1A-8933-263129D2AF90}" type="datetimeFigureOut">
               <a:rPr lang="en-US" dirty="0"/>
-              <a:t>5/8/2021</a:t>
+              <a:t>5/10/2021</a:t>
             </a:fld>
             <a:endParaRPr lang="en-US" dirty="0"/>
           </a:p>
@@ -7520,7 +7522,7 @@
           <a:p>
             <a:fld id="{C764DE79-268F-4C1A-8933-263129D2AF90}" type="datetimeFigureOut">
               <a:rPr lang="en-US" dirty="0"/>
-              <a:t>5/8/2021</a:t>
+              <a:t>5/10/2021</a:t>
             </a:fld>
             <a:endParaRPr lang="en-US" dirty="0"/>
           </a:p>
@@ -7698,7 +7700,7 @@
           <a:p>
             <a:fld id="{C764DE79-268F-4C1A-8933-263129D2AF90}" type="datetimeFigureOut">
               <a:rPr lang="en-US" dirty="0"/>
-              <a:t>5/8/2021</a:t>
+              <a:t>5/10/2021</a:t>
             </a:fld>
             <a:endParaRPr lang="en-US" dirty="0"/>
           </a:p>
@@ -7866,7 +7868,7 @@
           <a:p>
             <a:fld id="{C764DE79-268F-4C1A-8933-263129D2AF90}" type="datetimeFigureOut">
               <a:rPr lang="en-US" dirty="0"/>
-              <a:t>5/8/2021</a:t>
+              <a:t>5/10/2021</a:t>
             </a:fld>
             <a:endParaRPr lang="en-US" dirty="0"/>
           </a:p>
@@ -8111,7 +8113,7 @@
           <a:p>
             <a:fld id="{C764DE79-268F-4C1A-8933-263129D2AF90}" type="datetimeFigureOut">
               <a:rPr lang="en-US" dirty="0"/>
-              <a:t>5/8/2021</a:t>
+              <a:t>5/10/2021</a:t>
             </a:fld>
             <a:endParaRPr lang="en-US" dirty="0"/>
           </a:p>
@@ -8340,7 +8342,7 @@
           <a:p>
             <a:fld id="{C764DE79-268F-4C1A-8933-263129D2AF90}" type="datetimeFigureOut">
               <a:rPr lang="en-US" dirty="0"/>
-              <a:t>5/8/2021</a:t>
+              <a:t>5/10/2021</a:t>
             </a:fld>
             <a:endParaRPr lang="en-US" dirty="0"/>
           </a:p>
@@ -8704,7 +8706,7 @@
           <a:p>
             <a:fld id="{C764DE79-268F-4C1A-8933-263129D2AF90}" type="datetimeFigureOut">
               <a:rPr lang="en-US" dirty="0"/>
-              <a:t>5/8/2021</a:t>
+              <a:t>5/10/2021</a:t>
             </a:fld>
             <a:endParaRPr lang="en-US" dirty="0"/>
           </a:p>
@@ -8821,7 +8823,7 @@
           <a:p>
             <a:fld id="{C764DE79-268F-4C1A-8933-263129D2AF90}" type="datetimeFigureOut">
               <a:rPr lang="en-US" dirty="0"/>
-              <a:t>5/8/2021</a:t>
+              <a:t>5/10/2021</a:t>
             </a:fld>
             <a:endParaRPr lang="en-US" dirty="0"/>
           </a:p>
@@ -8916,7 +8918,7 @@
           <a:p>
             <a:fld id="{C764DE79-268F-4C1A-8933-263129D2AF90}" type="datetimeFigureOut">
               <a:rPr lang="en-US" dirty="0"/>
-              <a:t>5/8/2021</a:t>
+              <a:t>5/10/2021</a:t>
             </a:fld>
             <a:endParaRPr lang="en-US" dirty="0"/>
           </a:p>
@@ -9191,7 +9193,7 @@
           <a:p>
             <a:fld id="{C764DE79-268F-4C1A-8933-263129D2AF90}" type="datetimeFigureOut">
               <a:rPr lang="en-US" dirty="0"/>
-              <a:t>5/8/2021</a:t>
+              <a:t>5/10/2021</a:t>
             </a:fld>
             <a:endParaRPr lang="en-US" dirty="0"/>
           </a:p>
@@ -9443,7 +9445,7 @@
           <a:p>
             <a:fld id="{C764DE79-268F-4C1A-8933-263129D2AF90}" type="datetimeFigureOut">
               <a:rPr lang="en-US" dirty="0"/>
-              <a:t>5/8/2021</a:t>
+              <a:t>5/10/2021</a:t>
             </a:fld>
             <a:endParaRPr lang="en-US" dirty="0"/>
           </a:p>
@@ -9654,7 +9656,7 @@
           <a:p>
             <a:fld id="{C764DE79-268F-4C1A-8933-263129D2AF90}" type="datetimeFigureOut">
               <a:rPr lang="en-US" dirty="0"/>
-              <a:t>5/8/2021</a:t>
+              <a:t>5/10/2021</a:t>
             </a:fld>
             <a:endParaRPr lang="en-US" dirty="0"/>
           </a:p>
@@ -10746,6 +10748,73 @@
 </p:sld>
 </file>
 
+<file path=ppt/slides/slide10.xml><?xml version="1.0" encoding="utf-8"?>
+<p:sld xmlns:a="http://schemas.openxmlformats.org/drawingml/2006/main" xmlns:r="http://schemas.openxmlformats.org/officeDocument/2006/relationships" xmlns:p="http://schemas.openxmlformats.org/presentationml/2006/main">
+  <p:cSld>
+    <p:bg>
+      <p:bgPr>
+        <a:solidFill>
+          <a:schemeClr val="bg1"/>
+        </a:solidFill>
+        <a:effectLst/>
+      </p:bgPr>
+    </p:bg>
+    <p:spTree>
+      <p:nvGrpSpPr>
+        <p:cNvPr id="1" name=""/>
+        <p:cNvGrpSpPr/>
+        <p:nvPr/>
+      </p:nvGrpSpPr>
+      <p:grpSpPr>
+        <a:xfrm>
+          <a:off x="0" y="0"/>
+          <a:ext cx="0" cy="0"/>
+          <a:chOff x="0" y="0"/>
+          <a:chExt cx="0" cy="0"/>
+        </a:xfrm>
+      </p:grpSpPr>
+      <p:pic>
+        <p:nvPicPr>
+          <p:cNvPr id="9" name="Рисунок 9" descr="Изображение выглядит как текст, кот, домашняя кошка, рама картины&#10;&#10;Автоматически созданное описание">
+            <a:extLst>
+              <a:ext uri="{FF2B5EF4-FFF2-40B4-BE49-F238E27FC236}">
+                <a16:creationId xmlns:a16="http://schemas.microsoft.com/office/drawing/2014/main" id="{87976CBB-C715-40C3-BCCF-E9726BF575D0}"/>
+              </a:ext>
+            </a:extLst>
+          </p:cNvPr>
+          <p:cNvPicPr>
+            <a:picLocks noChangeAspect="1"/>
+          </p:cNvPicPr>
+          <p:nvPr/>
+        </p:nvPicPr>
+        <p:blipFill rotWithShape="1">
+          <a:blip r:embed="rId2"/>
+          <a:srcRect t="161" r="30679" b="7729"/>
+          <a:stretch/>
+        </p:blipFill>
+        <p:spPr>
+          <a:xfrm>
+            <a:off x="-500" y="2271"/>
+            <a:ext cx="12192998" cy="6816286"/>
+          </a:xfrm>
+          <a:prstGeom prst="rect">
+            <a:avLst/>
+          </a:prstGeom>
+        </p:spPr>
+      </p:pic>
+    </p:spTree>
+    <p:extLst>
+      <p:ext uri="{BB962C8B-B14F-4D97-AF65-F5344CB8AC3E}">
+        <p14:creationId xmlns:p14="http://schemas.microsoft.com/office/powerpoint/2010/main" val="1375807866"/>
+      </p:ext>
+    </p:extLst>
+  </p:cSld>
+  <p:clrMapOvr>
+    <a:masterClrMapping/>
+  </p:clrMapOvr>
+</p:sld>
+</file>
+
 <file path=ppt/slides/slide2.xml><?xml version="1.0" encoding="utf-8"?>
 <p:sld xmlns:a="http://schemas.openxmlformats.org/drawingml/2006/main" xmlns:r="http://schemas.openxmlformats.org/officeDocument/2006/relationships" xmlns:p="http://schemas.openxmlformats.org/presentationml/2006/main">
   <p:cSld>
@@ -11800,13 +11869,15 @@
             </a:pPr>
             <a:r>
               <a:rPr lang="ru-RU" sz="2400" dirty="0">
+                <a:latin typeface="Segoe UI"/>
                 <a:ea typeface="+mn-lt"/>
                 <a:cs typeface="+mn-lt"/>
               </a:rPr>
               <a:t>Язык программирования </a:t>
             </a:r>
             <a:r>
-              <a:rPr lang="ru-RU" sz="2400" dirty="0" err="1">
+              <a:rPr lang="ru-RU" sz="2400" err="1">
+                <a:latin typeface="Segoe UI"/>
                 <a:ea typeface="+mn-lt"/>
                 <a:cs typeface="+mn-lt"/>
               </a:rPr>
@@ -11814,13 +11885,15 @@
             </a:r>
             <a:r>
               <a:rPr lang="ru-RU" sz="2400" dirty="0">
+                <a:latin typeface="Segoe UI"/>
                 <a:ea typeface="+mn-lt"/>
                 <a:cs typeface="+mn-lt"/>
               </a:rPr>
               <a:t> — это мощный инструмент для создания программ самого разнообразного назначения, доступный даже для новичков. С его помощью можно решать задачи различных типов. Язык </a:t>
             </a:r>
             <a:r>
-              <a:rPr lang="ru-RU" sz="2400" dirty="0" err="1">
+              <a:rPr lang="ru-RU" sz="2400" err="1">
+                <a:latin typeface="Segoe UI"/>
                 <a:ea typeface="+mn-lt"/>
                 <a:cs typeface="+mn-lt"/>
               </a:rPr>
@@ -11828,6 +11901,7 @@
             </a:r>
             <a:r>
               <a:rPr lang="ru-RU" sz="2400" dirty="0">
+                <a:latin typeface="Segoe UI"/>
                 <a:ea typeface="+mn-lt"/>
                 <a:cs typeface="+mn-lt"/>
               </a:rPr>
@@ -12659,26 +12733,30 @@
               <a:buNone/>
             </a:pPr>
             <a:r>
-              <a:rPr lang="ru-RU" sz="2000" dirty="0" err="1">
+              <a:rPr lang="ru-RU" sz="2000" err="1">
+                <a:latin typeface="Segoe UI"/>
                 <a:cs typeface="Calibri" panose="020F0502020204030204"/>
               </a:rPr>
               <a:t>Pygame</a:t>
             </a:r>
             <a:r>
               <a:rPr lang="ru-RU" sz="2000" dirty="0">
+                <a:latin typeface="Segoe UI"/>
                 <a:cs typeface="Calibri" panose="020F0502020204030204"/>
               </a:rPr>
               <a:t> - </a:t>
             </a:r>
             <a:r>
               <a:rPr lang="ru-RU" sz="2000" dirty="0">
+                <a:latin typeface="Segoe UI"/>
                 <a:ea typeface="+mn-lt"/>
                 <a:cs typeface="+mn-lt"/>
               </a:rPr>
               <a:t>это библиотека модулей для языка </a:t>
             </a:r>
             <a:r>
-              <a:rPr lang="ru-RU" sz="2000" dirty="0" err="1">
+              <a:rPr lang="ru-RU" sz="2000" err="1">
+                <a:latin typeface="Segoe UI"/>
                 <a:ea typeface="+mn-lt"/>
                 <a:cs typeface="+mn-lt"/>
               </a:rPr>
@@ -12686,6 +12764,7 @@
             </a:r>
             <a:r>
               <a:rPr lang="ru-RU" sz="2000" b="1" dirty="0">
+                <a:latin typeface="Segoe UI"/>
                 <a:ea typeface="+mn-lt"/>
                 <a:cs typeface="+mn-lt"/>
               </a:rPr>
@@ -12693,13 +12772,15 @@
             </a:r>
             <a:r>
               <a:rPr lang="ru-RU" sz="2000" dirty="0">
+                <a:latin typeface="Segoe UI"/>
                 <a:ea typeface="+mn-lt"/>
                 <a:cs typeface="+mn-lt"/>
               </a:rPr>
               <a:t> созданная для разработки 2D игр. Также существует понятие "игрового движка" как программной среды для разработки игр. По своему назначению </a:t>
             </a:r>
             <a:r>
-              <a:rPr lang="ru-RU" sz="2000" dirty="0" err="1">
+              <a:rPr lang="ru-RU" sz="2000" err="1">
+                <a:latin typeface="Segoe UI"/>
                 <a:ea typeface="+mn-lt"/>
                 <a:cs typeface="+mn-lt"/>
               </a:rPr>
@@ -12707,13 +12788,15 @@
             </a:r>
             <a:r>
               <a:rPr lang="ru-RU" sz="2000" dirty="0">
+                <a:latin typeface="Segoe UI"/>
                 <a:ea typeface="+mn-lt"/>
                 <a:cs typeface="+mn-lt"/>
               </a:rPr>
               <a:t> можно считать игровым движком. В то же время, с точки зрения классификации программного обеспечения, </a:t>
             </a:r>
             <a:r>
-              <a:rPr lang="ru-RU" sz="2000" dirty="0" err="1">
+              <a:rPr lang="ru-RU" sz="2000" err="1">
+                <a:latin typeface="Segoe UI"/>
                 <a:ea typeface="+mn-lt"/>
                 <a:cs typeface="+mn-lt"/>
               </a:rPr>
@@ -12721,12 +12804,14 @@
             </a:r>
             <a:r>
               <a:rPr lang="ru-RU" sz="2000" dirty="0">
+                <a:latin typeface="Segoe UI"/>
                 <a:ea typeface="+mn-lt"/>
                 <a:cs typeface="+mn-lt"/>
               </a:rPr>
               <a:t> является API для Питона к API библиотеки SDL.</a:t>
             </a:r>
             <a:endParaRPr lang="ru-RU" sz="2000" dirty="0">
+              <a:latin typeface="Segoe UI"/>
               <a:cs typeface="Calibri" panose="020F0502020204030204"/>
             </a:endParaRPr>
           </a:p>
@@ -12865,10 +12950,10 @@
       </p:grpSpPr>
       <p:sp useBgFill="1">
         <p:nvSpPr>
-          <p:cNvPr id="24" name="Rectangle 23">
+          <p:cNvPr id="52" name="Rectangle 51">
             <a:extLst>
               <a:ext uri="{FF2B5EF4-FFF2-40B4-BE49-F238E27FC236}">
-                <a16:creationId xmlns:a16="http://schemas.microsoft.com/office/drawing/2014/main" id="{47942995-B07F-4636-9A06-C6A104B260A8}"/>
+                <a16:creationId xmlns:a16="http://schemas.microsoft.com/office/drawing/2014/main" id="{85F55C16-BC21-49EF-A4FF-C3155BB93BD3}"/>
               </a:ext>
               <a:ext uri="{C183D7F6-B498-43B3-948B-1728B52AA6E4}">
                 <adec:decorative xmlns:adec="http://schemas.microsoft.com/office/drawing/2017/decorative" val="1"/>
@@ -12889,7 +12974,7 @@
         <p:spPr>
           <a:xfrm>
             <a:off x="0" y="0"/>
-            <a:ext cx="12191999" cy="6857365"/>
+            <a:ext cx="12188952" cy="6858000"/>
           </a:xfrm>
           <a:prstGeom prst="rect">
             <a:avLst/>
@@ -12941,364 +13026,53 @@
         </p:nvSpPr>
         <p:spPr>
           <a:xfrm>
-            <a:off x="974419" y="2217302"/>
-            <a:ext cx="4036334" cy="1105210"/>
+            <a:off x="6248400" y="365125"/>
+            <a:ext cx="5105398" cy="1952744"/>
           </a:xfrm>
         </p:spPr>
         <p:txBody>
-          <a:bodyPr vert="horz" lIns="91440" tIns="45720" rIns="91440" bIns="45720" rtlCol="0" anchor="t">
+          <a:bodyPr vert="horz" lIns="91440" tIns="45720" rIns="91440" bIns="45720" rtlCol="0">
             <a:normAutofit/>
           </a:bodyPr>
           <a:lstStyle/>
           <a:p>
             <a:r>
-              <a:rPr lang="en-US" sz="5400" kern="1200">
-                <a:solidFill>
-                  <a:schemeClr val="tx1"/>
-                </a:solidFill>
-                <a:latin typeface="+mj-lt"/>
-                <a:ea typeface="+mj-ea"/>
-                <a:cs typeface="+mj-cs"/>
+              <a:rPr lang="en-US" kern="1200" err="1">
+                <a:latin typeface="Segoe UI"/>
+                <a:cs typeface="Segoe UI"/>
               </a:rPr>
-              <a:t>Моя игра.</a:t>
+              <a:t>Моя</a:t>
+            </a:r>
+            <a:r>
+              <a:rPr lang="en-US" kern="1200" dirty="0">
+                <a:latin typeface="Segoe UI"/>
+                <a:cs typeface="Segoe UI"/>
+              </a:rPr>
+              <a:t> </a:t>
+            </a:r>
+            <a:r>
+              <a:rPr lang="en-US" kern="1200" err="1">
+                <a:latin typeface="Segoe UI"/>
+                <a:cs typeface="Segoe UI"/>
+              </a:rPr>
+              <a:t>игра</a:t>
+            </a:r>
+            <a:r>
+              <a:rPr lang="en-US" kern="1200">
+                <a:latin typeface="Segoe UI"/>
+                <a:cs typeface="Segoe UI"/>
+              </a:rPr>
+              <a:t>.</a:t>
             </a:r>
           </a:p>
         </p:txBody>
       </p:sp>
       <p:sp>
         <p:nvSpPr>
-          <p:cNvPr id="3" name="Объект 2">
+          <p:cNvPr id="54" name="Freeform: Shape 53">
             <a:extLst>
               <a:ext uri="{FF2B5EF4-FFF2-40B4-BE49-F238E27FC236}">
-                <a16:creationId xmlns:a16="http://schemas.microsoft.com/office/drawing/2014/main" id="{2B7FF360-AACE-48E8-A187-77B303048D38}"/>
-              </a:ext>
-            </a:extLst>
-          </p:cNvPr>
-          <p:cNvSpPr>
-            <a:spLocks noGrp="1"/>
-          </p:cNvSpPr>
-          <p:nvPr>
-            <p:ph idx="1"/>
-          </p:nvPr>
-        </p:nvSpPr>
-        <p:spPr>
-          <a:xfrm>
-            <a:off x="1067346" y="3322671"/>
-            <a:ext cx="4036333" cy="1319556"/>
-          </a:xfrm>
-        </p:spPr>
-        <p:txBody>
-          <a:bodyPr vert="horz" lIns="91440" tIns="45720" rIns="91440" bIns="45720" rtlCol="0" anchor="b">
-            <a:noAutofit/>
-          </a:bodyPr>
-          <a:lstStyle/>
-          <a:p>
-            <a:pPr marL="0" indent="0">
-              <a:buNone/>
-            </a:pPr>
-            <a:endParaRPr lang="en-US" dirty="0">
-              <a:cs typeface="Calibri"/>
-            </a:endParaRPr>
-          </a:p>
-          <a:p>
-            <a:pPr marL="0" indent="0">
-              <a:buNone/>
-            </a:pPr>
-            <a:r>
-              <a:rPr lang="en-US" kern="1200">
-                <a:latin typeface="+mn-lt"/>
-                <a:ea typeface="+mn-ea"/>
-                <a:cs typeface="+mn-cs"/>
-              </a:rPr>
-              <a:t>Я решил написать довольно известную игру - тетрис.</a:t>
-            </a:r>
-            <a:endParaRPr lang="en-US">
-              <a:cs typeface="Calibri" panose="020F0502020204030204"/>
-            </a:endParaRPr>
-          </a:p>
-        </p:txBody>
-      </p:sp>
-      <p:grpSp>
-        <p:nvGrpSpPr>
-          <p:cNvPr id="26" name="Group 25">
-            <a:extLst>
-              <a:ext uri="{FF2B5EF4-FFF2-40B4-BE49-F238E27FC236}">
-                <a16:creationId xmlns:a16="http://schemas.microsoft.com/office/drawing/2014/main" id="{032D8612-31EB-44CF-A1D0-14FD4C705424}"/>
-              </a:ext>
-              <a:ext uri="{C183D7F6-B498-43B3-948B-1728B52AA6E4}">
-                <adec:decorative xmlns:adec="http://schemas.microsoft.com/office/drawing/2017/decorative" val="1"/>
-              </a:ext>
-            </a:extLst>
-          </p:cNvPr>
-          <p:cNvGrpSpPr>
-            <a:grpSpLocks noGrp="1" noUngrp="1" noRot="1" noChangeAspect="1" noMove="1" noResize="1"/>
-          </p:cNvGrpSpPr>
-          <p:nvPr>
-            <p:extLst>
-              <p:ext uri="{386F3935-93C4-4BCD-93E2-E3B085C9AB24}">
-                <p16:designElem xmlns:p16="http://schemas.microsoft.com/office/powerpoint/2015/main" val="1"/>
-              </p:ext>
-            </p:extLst>
-          </p:nvPr>
-        </p:nvGrpSpPr>
-        <p:grpSpPr>
-          <a:xfrm>
-            <a:off x="0" y="2984992"/>
-            <a:ext cx="731521" cy="673460"/>
-            <a:chOff x="3940602" y="308034"/>
-            <a:chExt cx="2116791" cy="3428999"/>
-          </a:xfrm>
-          <a:solidFill>
-            <a:schemeClr val="accent4"/>
-          </a:solidFill>
-        </p:grpSpPr>
-        <p:sp>
-          <p:nvSpPr>
-            <p:cNvPr id="27" name="Rectangle 26">
-              <a:extLst>
-                <a:ext uri="{FF2B5EF4-FFF2-40B4-BE49-F238E27FC236}">
-                  <a16:creationId xmlns:a16="http://schemas.microsoft.com/office/drawing/2014/main" id="{F19A4A0F-1B59-4DB0-9764-D10936E98770}"/>
-                </a:ext>
-                <a:ext uri="{C183D7F6-B498-43B3-948B-1728B52AA6E4}">
-                  <adec:decorative xmlns:adec="http://schemas.microsoft.com/office/drawing/2017/decorative" val="1"/>
-                </a:ext>
-              </a:extLst>
-            </p:cNvPr>
-            <p:cNvSpPr/>
-            <p:nvPr>
-              <p:extLst>
-                <p:ext uri="{386F3935-93C4-4BCD-93E2-E3B085C9AB24}">
-                  <p16:designElem xmlns:p16="http://schemas.microsoft.com/office/powerpoint/2015/main" val="1"/>
-                </p:ext>
-              </p:extLst>
-            </p:nvPr>
-          </p:nvSpPr>
-          <p:spPr>
-            <a:xfrm>
-              <a:off x="3940602" y="308034"/>
-              <a:ext cx="566743" cy="3428999"/>
-            </a:xfrm>
-            <a:prstGeom prst="rect">
-              <a:avLst/>
-            </a:prstGeom>
-            <a:grpFill/>
-            <a:ln>
-              <a:noFill/>
-            </a:ln>
-          </p:spPr>
-          <p:style>
-            <a:lnRef idx="2">
-              <a:schemeClr val="accent1">
-                <a:shade val="50000"/>
-              </a:schemeClr>
-            </a:lnRef>
-            <a:fillRef idx="1">
-              <a:schemeClr val="accent1"/>
-            </a:fillRef>
-            <a:effectRef idx="0">
-              <a:schemeClr val="accent1"/>
-            </a:effectRef>
-            <a:fontRef idx="minor">
-              <a:schemeClr val="lt1"/>
-            </a:fontRef>
-          </p:style>
-          <p:txBody>
-            <a:bodyPr rtlCol="0" anchor="ctr"/>
-            <a:lstStyle/>
-            <a:p>
-              <a:pPr algn="ctr"/>
-              <a:endParaRPr lang="en-US"/>
-            </a:p>
-          </p:txBody>
-        </p:sp>
-        <p:sp>
-          <p:nvSpPr>
-            <p:cNvPr id="28" name="Rectangle 27">
-              <a:extLst>
-                <a:ext uri="{FF2B5EF4-FFF2-40B4-BE49-F238E27FC236}">
-                  <a16:creationId xmlns:a16="http://schemas.microsoft.com/office/drawing/2014/main" id="{F399A70F-F8CD-4992-9EF5-6CF15472E73F}"/>
-                </a:ext>
-                <a:ext uri="{C183D7F6-B498-43B3-948B-1728B52AA6E4}">
-                  <adec:decorative xmlns:adec="http://schemas.microsoft.com/office/drawing/2017/decorative" val="1"/>
-                </a:ext>
-              </a:extLst>
-            </p:cNvPr>
-            <p:cNvSpPr/>
-            <p:nvPr>
-              <p:extLst>
-                <p:ext uri="{386F3935-93C4-4BCD-93E2-E3B085C9AB24}">
-                  <p16:designElem xmlns:p16="http://schemas.microsoft.com/office/powerpoint/2015/main" val="1"/>
-                </p:ext>
-              </p:extLst>
-            </p:nvPr>
-          </p:nvSpPr>
-          <p:spPr>
-            <a:xfrm>
-              <a:off x="4715626" y="308034"/>
-              <a:ext cx="566743" cy="3428999"/>
-            </a:xfrm>
-            <a:prstGeom prst="rect">
-              <a:avLst/>
-            </a:prstGeom>
-            <a:grpFill/>
-            <a:ln>
-              <a:noFill/>
-            </a:ln>
-          </p:spPr>
-          <p:style>
-            <a:lnRef idx="2">
-              <a:schemeClr val="accent1">
-                <a:shade val="50000"/>
-              </a:schemeClr>
-            </a:lnRef>
-            <a:fillRef idx="1">
-              <a:schemeClr val="accent1"/>
-            </a:fillRef>
-            <a:effectRef idx="0">
-              <a:schemeClr val="accent1"/>
-            </a:effectRef>
-            <a:fontRef idx="minor">
-              <a:schemeClr val="lt1"/>
-            </a:fontRef>
-          </p:style>
-          <p:txBody>
-            <a:bodyPr rtlCol="0" anchor="ctr"/>
-            <a:lstStyle/>
-            <a:p>
-              <a:pPr algn="ctr"/>
-              <a:endParaRPr lang="en-US"/>
-            </a:p>
-          </p:txBody>
-        </p:sp>
-        <p:sp>
-          <p:nvSpPr>
-            <p:cNvPr id="29" name="Rectangle 28">
-              <a:extLst>
-                <a:ext uri="{FF2B5EF4-FFF2-40B4-BE49-F238E27FC236}">
-                  <a16:creationId xmlns:a16="http://schemas.microsoft.com/office/drawing/2014/main" id="{48F4FEDC-6D80-458C-A665-075D9B9500FD}"/>
-                </a:ext>
-                <a:ext uri="{C183D7F6-B498-43B3-948B-1728B52AA6E4}">
-                  <adec:decorative xmlns:adec="http://schemas.microsoft.com/office/drawing/2017/decorative" val="1"/>
-                </a:ext>
-              </a:extLst>
-            </p:cNvPr>
-            <p:cNvSpPr/>
-            <p:nvPr>
-              <p:extLst>
-                <p:ext uri="{386F3935-93C4-4BCD-93E2-E3B085C9AB24}">
-                  <p16:designElem xmlns:p16="http://schemas.microsoft.com/office/powerpoint/2015/main" val="1"/>
-                </p:ext>
-              </p:extLst>
-            </p:nvPr>
-          </p:nvSpPr>
-          <p:spPr>
-            <a:xfrm>
-              <a:off x="5490650" y="308034"/>
-              <a:ext cx="566743" cy="3428999"/>
-            </a:xfrm>
-            <a:prstGeom prst="rect">
-              <a:avLst/>
-            </a:prstGeom>
-            <a:grpFill/>
-            <a:ln>
-              <a:noFill/>
-            </a:ln>
-          </p:spPr>
-          <p:style>
-            <a:lnRef idx="2">
-              <a:schemeClr val="accent1">
-                <a:shade val="50000"/>
-              </a:schemeClr>
-            </a:lnRef>
-            <a:fillRef idx="1">
-              <a:schemeClr val="accent1"/>
-            </a:fillRef>
-            <a:effectRef idx="0">
-              <a:schemeClr val="accent1"/>
-            </a:effectRef>
-            <a:fontRef idx="minor">
-              <a:schemeClr val="lt1"/>
-            </a:fontRef>
-          </p:style>
-          <p:txBody>
-            <a:bodyPr rtlCol="0" anchor="ctr"/>
-            <a:lstStyle/>
-            <a:p>
-              <a:pPr algn="ctr"/>
-              <a:endParaRPr lang="en-US"/>
-            </a:p>
-          </p:txBody>
-        </p:sp>
-      </p:grpSp>
-      <p:sp>
-        <p:nvSpPr>
-          <p:cNvPr id="31" name="Rectangle 30">
-            <a:extLst>
-              <a:ext uri="{FF2B5EF4-FFF2-40B4-BE49-F238E27FC236}">
-                <a16:creationId xmlns:a16="http://schemas.microsoft.com/office/drawing/2014/main" id="{B81933D1-5615-42C7-9C0B-4EB7105CCE2D}"/>
-              </a:ext>
-              <a:ext uri="{C183D7F6-B498-43B3-948B-1728B52AA6E4}">
-                <adec:decorative xmlns:adec="http://schemas.microsoft.com/office/drawing/2017/decorative" val="1"/>
-              </a:ext>
-            </a:extLst>
-          </p:cNvPr>
-          <p:cNvSpPr>
-            <a:spLocks noGrp="1" noRot="1" noChangeAspect="1" noMove="1" noResize="1" noEditPoints="1" noAdjustHandles="1" noChangeArrowheads="1" noChangeShapeType="1" noTextEdit="1"/>
-          </p:cNvSpPr>
-          <p:nvPr>
-            <p:extLst>
-              <p:ext uri="{386F3935-93C4-4BCD-93E2-E3B085C9AB24}">
-                <p16:designElem xmlns:p16="http://schemas.microsoft.com/office/powerpoint/2015/main" val="1"/>
-              </p:ext>
-            </p:extLst>
-          </p:nvPr>
-        </p:nvSpPr>
-        <p:spPr>
-          <a:xfrm flipH="1">
-            <a:off x="10697670" y="0"/>
-            <a:ext cx="1494330" cy="6858000"/>
-          </a:xfrm>
-          <a:prstGeom prst="rect">
-            <a:avLst/>
-          </a:prstGeom>
-          <a:solidFill>
-            <a:schemeClr val="accent4"/>
-          </a:solidFill>
-          <a:ln>
-            <a:noFill/>
-          </a:ln>
-        </p:spPr>
-        <p:style>
-          <a:lnRef idx="2">
-            <a:schemeClr val="accent1">
-              <a:shade val="50000"/>
-            </a:schemeClr>
-          </a:lnRef>
-          <a:fillRef idx="1">
-            <a:schemeClr val="accent1"/>
-          </a:fillRef>
-          <a:effectRef idx="0">
-            <a:schemeClr val="accent1"/>
-          </a:effectRef>
-          <a:fontRef idx="minor">
-            <a:schemeClr val="lt1"/>
-          </a:fontRef>
-        </p:style>
-        <p:txBody>
-          <a:bodyPr rtlCol="0" anchor="ctr"/>
-          <a:lstStyle/>
-          <a:p>
-            <a:pPr algn="ctr"/>
-            <a:endParaRPr lang="en-US"/>
-          </a:p>
-        </p:txBody>
-      </p:sp>
-      <p:sp>
-        <p:nvSpPr>
-          <p:cNvPr id="33" name="Rectangle 32">
-            <a:extLst>
-              <a:ext uri="{FF2B5EF4-FFF2-40B4-BE49-F238E27FC236}">
-                <a16:creationId xmlns:a16="http://schemas.microsoft.com/office/drawing/2014/main" id="{19C9EAEA-39D0-4B0E-A0EB-51E7B26740B1}"/>
+                <a16:creationId xmlns:a16="http://schemas.microsoft.com/office/drawing/2014/main" id="{0C5F069E-AFE6-4825-8945-46F2918A5019}"/>
               </a:ext>
               <a:ext uri="{C183D7F6-B498-43B3-948B-1728B52AA6E4}">
                 <adec:decorative xmlns:adec="http://schemas.microsoft.com/office/drawing/2017/decorative" val="1"/>
@@ -13318,44 +13092,722 @@
         </p:nvSpPr>
         <p:spPr>
           <a:xfrm>
-            <a:off x="5685810" y="391886"/>
-            <a:ext cx="6009366" cy="6017078"/>
+            <a:off x="3" y="0"/>
+            <a:ext cx="6116569" cy="6858000"/>
           </a:xfrm>
-          <a:prstGeom prst="rect">
+          <a:custGeom>
             <a:avLst/>
-          </a:prstGeom>
+            <a:gdLst>
+              <a:gd name="connsiteX0" fmla="*/ 0 w 6116569"/>
+              <a:gd name="connsiteY0" fmla="*/ 0 h 6879321"/>
+              <a:gd name="connsiteX1" fmla="*/ 2935851 w 6116569"/>
+              <a:gd name="connsiteY1" fmla="*/ 0 h 6879321"/>
+              <a:gd name="connsiteX2" fmla="*/ 3238280 w 6116569"/>
+              <a:gd name="connsiteY2" fmla="*/ 31980 h 6879321"/>
+              <a:gd name="connsiteX3" fmla="*/ 3660541 w 6116569"/>
+              <a:gd name="connsiteY3" fmla="*/ 550772 h 6879321"/>
+              <a:gd name="connsiteX4" fmla="*/ 3808902 w 6116569"/>
+              <a:gd name="connsiteY4" fmla="*/ 589860 h 6879321"/>
+              <a:gd name="connsiteX5" fmla="*/ 4413762 w 6116569"/>
+              <a:gd name="connsiteY5" fmla="*/ 625393 h 6879321"/>
+              <a:gd name="connsiteX6" fmla="*/ 4567830 w 6116569"/>
+              <a:gd name="connsiteY6" fmla="*/ 721333 h 6879321"/>
+              <a:gd name="connsiteX7" fmla="*/ 4171247 w 6116569"/>
+              <a:gd name="connsiteY7" fmla="*/ 792401 h 6879321"/>
+              <a:gd name="connsiteX8" fmla="*/ 4376671 w 6116569"/>
+              <a:gd name="connsiteY8" fmla="*/ 842148 h 6879321"/>
+              <a:gd name="connsiteX9" fmla="*/ 4527887 w 6116569"/>
+              <a:gd name="connsiteY9" fmla="*/ 813722 h 6879321"/>
+              <a:gd name="connsiteX10" fmla="*/ 4633452 w 6116569"/>
+              <a:gd name="connsiteY10" fmla="*/ 799508 h 6879321"/>
+              <a:gd name="connsiteX11" fmla="*/ 4947293 w 6116569"/>
+              <a:gd name="connsiteY11" fmla="*/ 870576 h 6879321"/>
+              <a:gd name="connsiteX12" fmla="*/ 5263988 w 6116569"/>
+              <a:gd name="connsiteY12" fmla="*/ 820828 h 6879321"/>
+              <a:gd name="connsiteX13" fmla="*/ 5249723 w 6116569"/>
+              <a:gd name="connsiteY13" fmla="*/ 895449 h 6879321"/>
+              <a:gd name="connsiteX14" fmla="*/ 4744723 w 6116569"/>
+              <a:gd name="connsiteY14" fmla="*/ 1197485 h 6879321"/>
+              <a:gd name="connsiteX15" fmla="*/ 4767548 w 6116569"/>
+              <a:gd name="connsiteY15" fmla="*/ 1346727 h 6879321"/>
+              <a:gd name="connsiteX16" fmla="*/ 4539299 w 6116569"/>
+              <a:gd name="connsiteY16" fmla="*/ 1421348 h 6879321"/>
+              <a:gd name="connsiteX17" fmla="*/ 4607773 w 6116569"/>
+              <a:gd name="connsiteY17" fmla="*/ 1485309 h 6879321"/>
+              <a:gd name="connsiteX18" fmla="*/ 4579242 w 6116569"/>
+              <a:gd name="connsiteY18" fmla="*/ 1535055 h 6879321"/>
+              <a:gd name="connsiteX19" fmla="*/ 5278255 w 6116569"/>
+              <a:gd name="connsiteY19" fmla="*/ 1609676 h 6879321"/>
+              <a:gd name="connsiteX20" fmla="*/ 5771843 w 6116569"/>
+              <a:gd name="connsiteY20" fmla="*/ 1630997 h 6879321"/>
+              <a:gd name="connsiteX21" fmla="*/ 6105656 w 6116569"/>
+              <a:gd name="connsiteY21" fmla="*/ 1748257 h 6879321"/>
+              <a:gd name="connsiteX22" fmla="*/ 5691955 w 6116569"/>
+              <a:gd name="connsiteY22" fmla="*/ 2167555 h 6879321"/>
+              <a:gd name="connsiteX23" fmla="*/ 5475118 w 6116569"/>
+              <a:gd name="connsiteY23" fmla="*/ 2348776 h 6879321"/>
+              <a:gd name="connsiteX24" fmla="*/ 5826051 w 6116569"/>
+              <a:gd name="connsiteY24" fmla="*/ 2291922 h 6879321"/>
+              <a:gd name="connsiteX25" fmla="*/ 5552153 w 6116569"/>
+              <a:gd name="connsiteY25" fmla="*/ 2597513 h 6879321"/>
+              <a:gd name="connsiteX26" fmla="*/ 5603508 w 6116569"/>
+              <a:gd name="connsiteY26" fmla="*/ 2647260 h 6879321"/>
+              <a:gd name="connsiteX27" fmla="*/ 5700515 w 6116569"/>
+              <a:gd name="connsiteY27" fmla="*/ 2679240 h 6879321"/>
+              <a:gd name="connsiteX28" fmla="*/ 5246870 w 6116569"/>
+              <a:gd name="connsiteY28" fmla="*/ 2888889 h 6879321"/>
+              <a:gd name="connsiteX29" fmla="*/ 4836022 w 6116569"/>
+              <a:gd name="connsiteY29" fmla="*/ 3169605 h 6879321"/>
+              <a:gd name="connsiteX30" fmla="*/ 4736163 w 6116569"/>
+              <a:gd name="connsiteY30" fmla="*/ 3233565 h 6879321"/>
+              <a:gd name="connsiteX31" fmla="*/ 4853141 w 6116569"/>
+              <a:gd name="connsiteY31" fmla="*/ 3233565 h 6879321"/>
+              <a:gd name="connsiteX32" fmla="*/ 4944440 w 6116569"/>
+              <a:gd name="connsiteY32" fmla="*/ 3226459 h 6879321"/>
+              <a:gd name="connsiteX33" fmla="*/ 5109921 w 6116569"/>
+              <a:gd name="connsiteY33" fmla="*/ 3283313 h 6879321"/>
+              <a:gd name="connsiteX34" fmla="*/ 5694809 w 6116569"/>
+              <a:gd name="connsiteY34" fmla="*/ 3141178 h 6879321"/>
+              <a:gd name="connsiteX35" fmla="*/ 5566419 w 6116569"/>
+              <a:gd name="connsiteY35" fmla="*/ 3301079 h 6879321"/>
+              <a:gd name="connsiteX36" fmla="*/ 5415203 w 6116569"/>
+              <a:gd name="connsiteY36" fmla="*/ 3397020 h 6879321"/>
+              <a:gd name="connsiteX37" fmla="*/ 5612068 w 6116569"/>
+              <a:gd name="connsiteY37" fmla="*/ 3432554 h 6879321"/>
+              <a:gd name="connsiteX38" fmla="*/ 5206927 w 6116569"/>
+              <a:gd name="connsiteY38" fmla="*/ 3599562 h 6879321"/>
+              <a:gd name="connsiteX39" fmla="*/ 5301079 w 6116569"/>
+              <a:gd name="connsiteY39" fmla="*/ 3723930 h 6879321"/>
+              <a:gd name="connsiteX40" fmla="*/ 4507915 w 6116569"/>
+              <a:gd name="connsiteY40" fmla="*/ 4306683 h 6879321"/>
+              <a:gd name="connsiteX41" fmla="*/ 3982942 w 6116569"/>
+              <a:gd name="connsiteY41" fmla="*/ 4587399 h 6879321"/>
+              <a:gd name="connsiteX42" fmla="*/ 4185513 w 6116569"/>
+              <a:gd name="connsiteY42" fmla="*/ 4541205 h 6879321"/>
+              <a:gd name="connsiteX43" fmla="*/ 5212633 w 6116569"/>
+              <a:gd name="connsiteY43" fmla="*/ 4455924 h 6879321"/>
+              <a:gd name="connsiteX44" fmla="*/ 5312492 w 6116569"/>
+              <a:gd name="connsiteY44" fmla="*/ 4473691 h 6879321"/>
+              <a:gd name="connsiteX45" fmla="*/ 4596361 w 6116569"/>
+              <a:gd name="connsiteY45" fmla="*/ 4818368 h 6879321"/>
+              <a:gd name="connsiteX46" fmla="*/ 4873113 w 6116569"/>
+              <a:gd name="connsiteY46" fmla="*/ 4885882 h 6879321"/>
+              <a:gd name="connsiteX47" fmla="*/ 4935881 w 6116569"/>
+              <a:gd name="connsiteY47" fmla="*/ 4914309 h 6879321"/>
+              <a:gd name="connsiteX48" fmla="*/ 4873113 w 6116569"/>
+              <a:gd name="connsiteY48" fmla="*/ 5003143 h 6879321"/>
+              <a:gd name="connsiteX49" fmla="*/ 4721898 w 6116569"/>
+              <a:gd name="connsiteY49" fmla="*/ 5095530 h 6879321"/>
+              <a:gd name="connsiteX50" fmla="*/ 5132745 w 6116569"/>
+              <a:gd name="connsiteY50" fmla="*/ 4949842 h 6879321"/>
+              <a:gd name="connsiteX51" fmla="*/ 5101362 w 6116569"/>
+              <a:gd name="connsiteY51" fmla="*/ 5081317 h 6879321"/>
+              <a:gd name="connsiteX52" fmla="*/ 5138452 w 6116569"/>
+              <a:gd name="connsiteY52" fmla="*/ 5198578 h 6879321"/>
+              <a:gd name="connsiteX53" fmla="*/ 4904497 w 6116569"/>
+              <a:gd name="connsiteY53" fmla="*/ 5362033 h 6879321"/>
+              <a:gd name="connsiteX54" fmla="*/ 4579242 w 6116569"/>
+              <a:gd name="connsiteY54" fmla="*/ 5674729 h 6879321"/>
+              <a:gd name="connsiteX55" fmla="*/ 4253988 w 6116569"/>
+              <a:gd name="connsiteY55" fmla="*/ 5884379 h 6879321"/>
+              <a:gd name="connsiteX56" fmla="*/ 3985795 w 6116569"/>
+              <a:gd name="connsiteY56" fmla="*/ 6069153 h 6879321"/>
+              <a:gd name="connsiteX57" fmla="*/ 4231163 w 6116569"/>
+              <a:gd name="connsiteY57" fmla="*/ 6030066 h 6879321"/>
+              <a:gd name="connsiteX58" fmla="*/ 3814609 w 6116569"/>
+              <a:gd name="connsiteY58" fmla="*/ 6317889 h 6879321"/>
+              <a:gd name="connsiteX59" fmla="*/ 3751840 w 6116569"/>
+              <a:gd name="connsiteY59" fmla="*/ 6339209 h 6879321"/>
+              <a:gd name="connsiteX60" fmla="*/ 3089919 w 6116569"/>
+              <a:gd name="connsiteY60" fmla="*/ 6563071 h 6879321"/>
+              <a:gd name="connsiteX61" fmla="*/ 2961529 w 6116569"/>
+              <a:gd name="connsiteY61" fmla="*/ 6662566 h 6879321"/>
+              <a:gd name="connsiteX62" fmla="*/ 3107038 w 6116569"/>
+              <a:gd name="connsiteY62" fmla="*/ 6673226 h 6879321"/>
+              <a:gd name="connsiteX63" fmla="*/ 3594919 w 6116569"/>
+              <a:gd name="connsiteY63" fmla="*/ 6591499 h 6879321"/>
+              <a:gd name="connsiteX64" fmla="*/ 3261106 w 6116569"/>
+              <a:gd name="connsiteY64" fmla="*/ 6726527 h 6879321"/>
+              <a:gd name="connsiteX65" fmla="*/ 3620597 w 6116569"/>
+              <a:gd name="connsiteY65" fmla="*/ 6740740 h 6879321"/>
+              <a:gd name="connsiteX66" fmla="*/ 3703337 w 6116569"/>
+              <a:gd name="connsiteY66" fmla="*/ 6826020 h 6879321"/>
+              <a:gd name="connsiteX67" fmla="*/ 3689072 w 6116569"/>
+              <a:gd name="connsiteY67" fmla="*/ 6879321 h 6879321"/>
+              <a:gd name="connsiteX68" fmla="*/ 0 w 6116569"/>
+              <a:gd name="connsiteY68" fmla="*/ 6879321 h 6879321"/>
+            </a:gdLst>
+            <a:ahLst/>
+            <a:cxnLst>
+              <a:cxn ang="0">
+                <a:pos x="connsiteX0" y="connsiteY0"/>
+              </a:cxn>
+              <a:cxn ang="0">
+                <a:pos x="connsiteX1" y="connsiteY1"/>
+              </a:cxn>
+              <a:cxn ang="0">
+                <a:pos x="connsiteX2" y="connsiteY2"/>
+              </a:cxn>
+              <a:cxn ang="0">
+                <a:pos x="connsiteX3" y="connsiteY3"/>
+              </a:cxn>
+              <a:cxn ang="0">
+                <a:pos x="connsiteX4" y="connsiteY4"/>
+              </a:cxn>
+              <a:cxn ang="0">
+                <a:pos x="connsiteX5" y="connsiteY5"/>
+              </a:cxn>
+              <a:cxn ang="0">
+                <a:pos x="connsiteX6" y="connsiteY6"/>
+              </a:cxn>
+              <a:cxn ang="0">
+                <a:pos x="connsiteX7" y="connsiteY7"/>
+              </a:cxn>
+              <a:cxn ang="0">
+                <a:pos x="connsiteX8" y="connsiteY8"/>
+              </a:cxn>
+              <a:cxn ang="0">
+                <a:pos x="connsiteX9" y="connsiteY9"/>
+              </a:cxn>
+              <a:cxn ang="0">
+                <a:pos x="connsiteX10" y="connsiteY10"/>
+              </a:cxn>
+              <a:cxn ang="0">
+                <a:pos x="connsiteX11" y="connsiteY11"/>
+              </a:cxn>
+              <a:cxn ang="0">
+                <a:pos x="connsiteX12" y="connsiteY12"/>
+              </a:cxn>
+              <a:cxn ang="0">
+                <a:pos x="connsiteX13" y="connsiteY13"/>
+              </a:cxn>
+              <a:cxn ang="0">
+                <a:pos x="connsiteX14" y="connsiteY14"/>
+              </a:cxn>
+              <a:cxn ang="0">
+                <a:pos x="connsiteX15" y="connsiteY15"/>
+              </a:cxn>
+              <a:cxn ang="0">
+                <a:pos x="connsiteX16" y="connsiteY16"/>
+              </a:cxn>
+              <a:cxn ang="0">
+                <a:pos x="connsiteX17" y="connsiteY17"/>
+              </a:cxn>
+              <a:cxn ang="0">
+                <a:pos x="connsiteX18" y="connsiteY18"/>
+              </a:cxn>
+              <a:cxn ang="0">
+                <a:pos x="connsiteX19" y="connsiteY19"/>
+              </a:cxn>
+              <a:cxn ang="0">
+                <a:pos x="connsiteX20" y="connsiteY20"/>
+              </a:cxn>
+              <a:cxn ang="0">
+                <a:pos x="connsiteX21" y="connsiteY21"/>
+              </a:cxn>
+              <a:cxn ang="0">
+                <a:pos x="connsiteX22" y="connsiteY22"/>
+              </a:cxn>
+              <a:cxn ang="0">
+                <a:pos x="connsiteX23" y="connsiteY23"/>
+              </a:cxn>
+              <a:cxn ang="0">
+                <a:pos x="connsiteX24" y="connsiteY24"/>
+              </a:cxn>
+              <a:cxn ang="0">
+                <a:pos x="connsiteX25" y="connsiteY25"/>
+              </a:cxn>
+              <a:cxn ang="0">
+                <a:pos x="connsiteX26" y="connsiteY26"/>
+              </a:cxn>
+              <a:cxn ang="0">
+                <a:pos x="connsiteX27" y="connsiteY27"/>
+              </a:cxn>
+              <a:cxn ang="0">
+                <a:pos x="connsiteX28" y="connsiteY28"/>
+              </a:cxn>
+              <a:cxn ang="0">
+                <a:pos x="connsiteX29" y="connsiteY29"/>
+              </a:cxn>
+              <a:cxn ang="0">
+                <a:pos x="connsiteX30" y="connsiteY30"/>
+              </a:cxn>
+              <a:cxn ang="0">
+                <a:pos x="connsiteX31" y="connsiteY31"/>
+              </a:cxn>
+              <a:cxn ang="0">
+                <a:pos x="connsiteX32" y="connsiteY32"/>
+              </a:cxn>
+              <a:cxn ang="0">
+                <a:pos x="connsiteX33" y="connsiteY33"/>
+              </a:cxn>
+              <a:cxn ang="0">
+                <a:pos x="connsiteX34" y="connsiteY34"/>
+              </a:cxn>
+              <a:cxn ang="0">
+                <a:pos x="connsiteX35" y="connsiteY35"/>
+              </a:cxn>
+              <a:cxn ang="0">
+                <a:pos x="connsiteX36" y="connsiteY36"/>
+              </a:cxn>
+              <a:cxn ang="0">
+                <a:pos x="connsiteX37" y="connsiteY37"/>
+              </a:cxn>
+              <a:cxn ang="0">
+                <a:pos x="connsiteX38" y="connsiteY38"/>
+              </a:cxn>
+              <a:cxn ang="0">
+                <a:pos x="connsiteX39" y="connsiteY39"/>
+              </a:cxn>
+              <a:cxn ang="0">
+                <a:pos x="connsiteX40" y="connsiteY40"/>
+              </a:cxn>
+              <a:cxn ang="0">
+                <a:pos x="connsiteX41" y="connsiteY41"/>
+              </a:cxn>
+              <a:cxn ang="0">
+                <a:pos x="connsiteX42" y="connsiteY42"/>
+              </a:cxn>
+              <a:cxn ang="0">
+                <a:pos x="connsiteX43" y="connsiteY43"/>
+              </a:cxn>
+              <a:cxn ang="0">
+                <a:pos x="connsiteX44" y="connsiteY44"/>
+              </a:cxn>
+              <a:cxn ang="0">
+                <a:pos x="connsiteX45" y="connsiteY45"/>
+              </a:cxn>
+              <a:cxn ang="0">
+                <a:pos x="connsiteX46" y="connsiteY46"/>
+              </a:cxn>
+              <a:cxn ang="0">
+                <a:pos x="connsiteX47" y="connsiteY47"/>
+              </a:cxn>
+              <a:cxn ang="0">
+                <a:pos x="connsiteX48" y="connsiteY48"/>
+              </a:cxn>
+              <a:cxn ang="0">
+                <a:pos x="connsiteX49" y="connsiteY49"/>
+              </a:cxn>
+              <a:cxn ang="0">
+                <a:pos x="connsiteX50" y="connsiteY50"/>
+              </a:cxn>
+              <a:cxn ang="0">
+                <a:pos x="connsiteX51" y="connsiteY51"/>
+              </a:cxn>
+              <a:cxn ang="0">
+                <a:pos x="connsiteX52" y="connsiteY52"/>
+              </a:cxn>
+              <a:cxn ang="0">
+                <a:pos x="connsiteX53" y="connsiteY53"/>
+              </a:cxn>
+              <a:cxn ang="0">
+                <a:pos x="connsiteX54" y="connsiteY54"/>
+              </a:cxn>
+              <a:cxn ang="0">
+                <a:pos x="connsiteX55" y="connsiteY55"/>
+              </a:cxn>
+              <a:cxn ang="0">
+                <a:pos x="connsiteX56" y="connsiteY56"/>
+              </a:cxn>
+              <a:cxn ang="0">
+                <a:pos x="connsiteX57" y="connsiteY57"/>
+              </a:cxn>
+              <a:cxn ang="0">
+                <a:pos x="connsiteX58" y="connsiteY58"/>
+              </a:cxn>
+              <a:cxn ang="0">
+                <a:pos x="connsiteX59" y="connsiteY59"/>
+              </a:cxn>
+              <a:cxn ang="0">
+                <a:pos x="connsiteX60" y="connsiteY60"/>
+              </a:cxn>
+              <a:cxn ang="0">
+                <a:pos x="connsiteX61" y="connsiteY61"/>
+              </a:cxn>
+              <a:cxn ang="0">
+                <a:pos x="connsiteX62" y="connsiteY62"/>
+              </a:cxn>
+              <a:cxn ang="0">
+                <a:pos x="connsiteX63" y="connsiteY63"/>
+              </a:cxn>
+              <a:cxn ang="0">
+                <a:pos x="connsiteX64" y="connsiteY64"/>
+              </a:cxn>
+              <a:cxn ang="0">
+                <a:pos x="connsiteX65" y="connsiteY65"/>
+              </a:cxn>
+              <a:cxn ang="0">
+                <a:pos x="connsiteX66" y="connsiteY66"/>
+              </a:cxn>
+              <a:cxn ang="0">
+                <a:pos x="connsiteX67" y="connsiteY67"/>
+              </a:cxn>
+              <a:cxn ang="0">
+                <a:pos x="connsiteX68" y="connsiteY68"/>
+              </a:cxn>
+            </a:cxnLst>
+            <a:rect l="l" t="t" r="r" b="b"/>
+            <a:pathLst>
+              <a:path w="6116569" h="6879321">
+                <a:moveTo>
+                  <a:pt x="0" y="0"/>
+                </a:moveTo>
+                <a:lnTo>
+                  <a:pt x="2935851" y="0"/>
+                </a:lnTo>
+                <a:cubicBezTo>
+                  <a:pt x="3035710" y="10660"/>
+                  <a:pt x="3138421" y="17767"/>
+                  <a:pt x="3238280" y="31980"/>
+                </a:cubicBezTo>
+                <a:cubicBezTo>
+                  <a:pt x="3817462" y="106602"/>
+                  <a:pt x="3127009" y="277163"/>
+                  <a:pt x="3660541" y="550772"/>
+                </a:cubicBezTo>
+                <a:cubicBezTo>
+                  <a:pt x="3706191" y="575645"/>
+                  <a:pt x="3757546" y="579199"/>
+                  <a:pt x="3808902" y="589860"/>
+                </a:cubicBezTo>
+                <a:cubicBezTo>
+                  <a:pt x="4008620" y="625393"/>
+                  <a:pt x="4211192" y="618286"/>
+                  <a:pt x="4413762" y="625393"/>
+                </a:cubicBezTo>
+                <a:cubicBezTo>
+                  <a:pt x="4465118" y="628946"/>
+                  <a:pt x="4525033" y="625393"/>
+                  <a:pt x="4567830" y="721333"/>
+                </a:cubicBezTo>
+                <a:cubicBezTo>
+                  <a:pt x="4425175" y="724888"/>
+                  <a:pt x="4305344" y="731994"/>
+                  <a:pt x="4171247" y="792401"/>
+                </a:cubicBezTo>
+                <a:cubicBezTo>
+                  <a:pt x="4239722" y="859916"/>
+                  <a:pt x="4322462" y="795955"/>
+                  <a:pt x="4376671" y="842148"/>
+                </a:cubicBezTo>
+                <a:cubicBezTo>
+                  <a:pt x="4428027" y="888342"/>
+                  <a:pt x="4470824" y="891896"/>
+                  <a:pt x="4527887" y="813722"/>
+                </a:cubicBezTo>
+                <a:cubicBezTo>
+                  <a:pt x="4556417" y="774634"/>
+                  <a:pt x="4604920" y="778187"/>
+                  <a:pt x="4633452" y="799508"/>
+                </a:cubicBezTo>
+                <a:cubicBezTo>
+                  <a:pt x="4781813" y="913216"/>
+                  <a:pt x="4778960" y="909662"/>
+                  <a:pt x="4947293" y="870576"/>
+                </a:cubicBezTo>
+                <a:cubicBezTo>
+                  <a:pt x="5055712" y="845701"/>
+                  <a:pt x="5166983" y="806615"/>
+                  <a:pt x="5263988" y="820828"/>
+                </a:cubicBezTo>
+                <a:cubicBezTo>
+                  <a:pt x="5275401" y="867022"/>
+                  <a:pt x="5263988" y="888342"/>
+                  <a:pt x="5249723" y="895449"/>
+                </a:cubicBezTo>
+                <a:cubicBezTo>
+                  <a:pt x="5021475" y="1005604"/>
+                  <a:pt x="4975825" y="1122864"/>
+                  <a:pt x="4744723" y="1197485"/>
+                </a:cubicBezTo>
+                <a:cubicBezTo>
+                  <a:pt x="4724751" y="1268552"/>
+                  <a:pt x="4807491" y="1275660"/>
+                  <a:pt x="4767548" y="1346727"/>
+                </a:cubicBezTo>
+                <a:cubicBezTo>
+                  <a:pt x="4693367" y="1407134"/>
+                  <a:pt x="4610627" y="1346727"/>
+                  <a:pt x="4539299" y="1421348"/>
+                </a:cubicBezTo>
+                <a:cubicBezTo>
+                  <a:pt x="4550712" y="1471094"/>
+                  <a:pt x="4610627" y="1432008"/>
+                  <a:pt x="4607773" y="1485309"/>
+                </a:cubicBezTo>
+                <a:cubicBezTo>
+                  <a:pt x="4604920" y="1517288"/>
+                  <a:pt x="4593508" y="1527948"/>
+                  <a:pt x="4579242" y="1535055"/>
+                </a:cubicBezTo>
+                <a:cubicBezTo>
+                  <a:pt x="4776107" y="1538608"/>
+                  <a:pt x="5383820" y="1574142"/>
+                  <a:pt x="5278255" y="1609676"/>
+                </a:cubicBezTo>
+                <a:cubicBezTo>
+                  <a:pt x="5418057" y="1698511"/>
+                  <a:pt x="5623481" y="1609676"/>
+                  <a:pt x="5771843" y="1630997"/>
+                </a:cubicBezTo>
+                <a:cubicBezTo>
+                  <a:pt x="5925911" y="1652316"/>
+                  <a:pt x="6171278" y="1719830"/>
+                  <a:pt x="6105656" y="1748257"/>
+                </a:cubicBezTo>
+                <a:cubicBezTo>
+                  <a:pt x="6031475" y="1780238"/>
+                  <a:pt x="5766136" y="2146235"/>
+                  <a:pt x="5691955" y="2167555"/>
+                </a:cubicBezTo>
+                <a:cubicBezTo>
+                  <a:pt x="5606362" y="2188875"/>
+                  <a:pt x="5589243" y="2217302"/>
+                  <a:pt x="5475118" y="2348776"/>
+                </a:cubicBezTo>
+                <a:cubicBezTo>
+                  <a:pt x="5398085" y="2437610"/>
+                  <a:pt x="5709074" y="2238623"/>
+                  <a:pt x="5826051" y="2291922"/>
+                </a:cubicBezTo>
+                <a:cubicBezTo>
+                  <a:pt x="5868848" y="2309690"/>
+                  <a:pt x="5552153" y="2554872"/>
+                  <a:pt x="5552153" y="2597513"/>
+                </a:cubicBezTo>
+                <a:cubicBezTo>
+                  <a:pt x="5549300" y="2640153"/>
+                  <a:pt x="5577831" y="2647260"/>
+                  <a:pt x="5603508" y="2647260"/>
+                </a:cubicBezTo>
+                <a:cubicBezTo>
+                  <a:pt x="5660571" y="2647260"/>
+                  <a:pt x="5640599" y="2686346"/>
+                  <a:pt x="5700515" y="2679240"/>
+                </a:cubicBezTo>
+                <a:cubicBezTo>
+                  <a:pt x="5523622" y="2800055"/>
+                  <a:pt x="5418057" y="2778734"/>
+                  <a:pt x="5246870" y="2888889"/>
+                </a:cubicBezTo>
+                <a:cubicBezTo>
+                  <a:pt x="5164130" y="2942189"/>
+                  <a:pt x="4921615" y="3119857"/>
+                  <a:pt x="4836022" y="3169605"/>
+                </a:cubicBezTo>
+                <a:cubicBezTo>
+                  <a:pt x="4801785" y="3187371"/>
+                  <a:pt x="4758988" y="3173158"/>
+                  <a:pt x="4736163" y="3233565"/>
+                </a:cubicBezTo>
+                <a:cubicBezTo>
+                  <a:pt x="4770400" y="3279759"/>
+                  <a:pt x="4816050" y="3254885"/>
+                  <a:pt x="4853141" y="3233565"/>
+                </a:cubicBezTo>
+                <a:cubicBezTo>
+                  <a:pt x="4944440" y="3176711"/>
+                  <a:pt x="4935881" y="3190925"/>
+                  <a:pt x="4944440" y="3226459"/>
+                </a:cubicBezTo>
+                <a:cubicBezTo>
+                  <a:pt x="4972972" y="3350827"/>
+                  <a:pt x="5044300" y="3308186"/>
+                  <a:pt x="5109921" y="3283313"/>
+                </a:cubicBezTo>
+                <a:cubicBezTo>
+                  <a:pt x="5303932" y="3208692"/>
+                  <a:pt x="5500797" y="3215799"/>
+                  <a:pt x="5694809" y="3141178"/>
+                </a:cubicBezTo>
+                <a:cubicBezTo>
+                  <a:pt x="5714781" y="3134070"/>
+                  <a:pt x="5612068" y="3283313"/>
+                  <a:pt x="5566419" y="3301079"/>
+                </a:cubicBezTo>
+                <a:cubicBezTo>
+                  <a:pt x="5515063" y="3322399"/>
+                  <a:pt x="5452294" y="3311739"/>
+                  <a:pt x="5415203" y="3397020"/>
+                </a:cubicBezTo>
+                <a:cubicBezTo>
+                  <a:pt x="5477972" y="3414787"/>
+                  <a:pt x="5552153" y="3372147"/>
+                  <a:pt x="5612068" y="3432554"/>
+                </a:cubicBezTo>
+                <a:cubicBezTo>
+                  <a:pt x="5469413" y="3528494"/>
+                  <a:pt x="5329610" y="3535601"/>
+                  <a:pt x="5206927" y="3599562"/>
+                </a:cubicBezTo>
+                <a:cubicBezTo>
+                  <a:pt x="5192661" y="3706163"/>
+                  <a:pt x="5272548" y="3663523"/>
+                  <a:pt x="5301079" y="3723930"/>
+                </a:cubicBezTo>
+                <a:cubicBezTo>
+                  <a:pt x="5072830" y="3844745"/>
+                  <a:pt x="4564977" y="4232062"/>
+                  <a:pt x="4507915" y="4306683"/>
+                </a:cubicBezTo>
+                <a:cubicBezTo>
+                  <a:pt x="4390937" y="4463031"/>
+                  <a:pt x="3900202" y="4562525"/>
+                  <a:pt x="3982942" y="4587399"/>
+                </a:cubicBezTo>
+                <a:cubicBezTo>
+                  <a:pt x="4051417" y="4608719"/>
+                  <a:pt x="4119891" y="4587399"/>
+                  <a:pt x="4185513" y="4541205"/>
+                </a:cubicBezTo>
+                <a:cubicBezTo>
+                  <a:pt x="4291078" y="4466584"/>
+                  <a:pt x="5010062" y="4523438"/>
+                  <a:pt x="5212633" y="4455924"/>
+                </a:cubicBezTo>
+                <a:cubicBezTo>
+                  <a:pt x="5241164" y="4445264"/>
+                  <a:pt x="5283960" y="4409730"/>
+                  <a:pt x="5312492" y="4473691"/>
+                </a:cubicBezTo>
+                <a:cubicBezTo>
+                  <a:pt x="5098508" y="4704659"/>
+                  <a:pt x="4833169" y="4654913"/>
+                  <a:pt x="4596361" y="4818368"/>
+                </a:cubicBezTo>
+                <a:cubicBezTo>
+                  <a:pt x="4684807" y="4917861"/>
+                  <a:pt x="4776107" y="4907202"/>
+                  <a:pt x="4873113" y="4885882"/>
+                </a:cubicBezTo>
+                <a:cubicBezTo>
+                  <a:pt x="4895938" y="4878775"/>
+                  <a:pt x="4930175" y="4871668"/>
+                  <a:pt x="4935881" y="4914309"/>
+                </a:cubicBezTo>
+                <a:cubicBezTo>
+                  <a:pt x="4941587" y="4967609"/>
+                  <a:pt x="4898790" y="4978270"/>
+                  <a:pt x="4873113" y="5003143"/>
+                </a:cubicBezTo>
+                <a:cubicBezTo>
+                  <a:pt x="4833169" y="5038676"/>
+                  <a:pt x="4773254" y="4999590"/>
+                  <a:pt x="4721898" y="5095530"/>
+                </a:cubicBezTo>
+                <a:cubicBezTo>
+                  <a:pt x="4873113" y="5067104"/>
+                  <a:pt x="4998650" y="5020910"/>
+                  <a:pt x="5132745" y="4949842"/>
+                </a:cubicBezTo>
+                <a:cubicBezTo>
+                  <a:pt x="5121333" y="5006696"/>
+                  <a:pt x="5081390" y="5035123"/>
+                  <a:pt x="5101362" y="5081317"/>
+                </a:cubicBezTo>
+                <a:cubicBezTo>
+                  <a:pt x="5118480" y="5116850"/>
+                  <a:pt x="5164130" y="5131063"/>
+                  <a:pt x="5138452" y="5198578"/>
+                </a:cubicBezTo>
+                <a:cubicBezTo>
+                  <a:pt x="5067125" y="5273199"/>
+                  <a:pt x="4967265" y="5258986"/>
+                  <a:pt x="4904497" y="5362033"/>
+                </a:cubicBezTo>
+                <a:cubicBezTo>
+                  <a:pt x="4818903" y="5507721"/>
+                  <a:pt x="4684807" y="5564575"/>
+                  <a:pt x="4579242" y="5674729"/>
+                </a:cubicBezTo>
+                <a:cubicBezTo>
+                  <a:pt x="4545005" y="5713816"/>
+                  <a:pt x="4313903" y="5841738"/>
+                  <a:pt x="4253988" y="5884379"/>
+                </a:cubicBezTo>
+                <a:cubicBezTo>
+                  <a:pt x="4168395" y="5944786"/>
+                  <a:pt x="4071389" y="5966106"/>
+                  <a:pt x="3985795" y="6069153"/>
+                </a:cubicBezTo>
+                <a:cubicBezTo>
+                  <a:pt x="4065682" y="6086921"/>
+                  <a:pt x="4134157" y="5990979"/>
+                  <a:pt x="4231163" y="6030066"/>
+                </a:cubicBezTo>
+                <a:cubicBezTo>
+                  <a:pt x="4074242" y="6133114"/>
+                  <a:pt x="3931586" y="6182861"/>
+                  <a:pt x="3814609" y="6317889"/>
+                </a:cubicBezTo>
+                <a:cubicBezTo>
+                  <a:pt x="3800343" y="6335656"/>
+                  <a:pt x="3771812" y="6332102"/>
+                  <a:pt x="3751840" y="6339209"/>
+                </a:cubicBezTo>
+                <a:cubicBezTo>
+                  <a:pt x="3529298" y="6406723"/>
+                  <a:pt x="3309608" y="6467130"/>
+                  <a:pt x="3089919" y="6563071"/>
+                </a:cubicBezTo>
+                <a:cubicBezTo>
+                  <a:pt x="3041416" y="6584392"/>
+                  <a:pt x="2955823" y="6595052"/>
+                  <a:pt x="2961529" y="6662566"/>
+                </a:cubicBezTo>
+                <a:cubicBezTo>
+                  <a:pt x="2972941" y="6765613"/>
+                  <a:pt x="3055681" y="6687439"/>
+                  <a:pt x="3107038" y="6673226"/>
+                </a:cubicBezTo>
+                <a:cubicBezTo>
+                  <a:pt x="3269664" y="6634138"/>
+                  <a:pt x="3432292" y="6570178"/>
+                  <a:pt x="3594919" y="6591499"/>
+                </a:cubicBezTo>
+                <a:cubicBezTo>
+                  <a:pt x="3483648" y="6637693"/>
+                  <a:pt x="3372376" y="6680332"/>
+                  <a:pt x="3261106" y="6726527"/>
+                </a:cubicBezTo>
+                <a:cubicBezTo>
+                  <a:pt x="3386642" y="6705206"/>
+                  <a:pt x="3495061" y="6786934"/>
+                  <a:pt x="3620597" y="6740740"/>
+                </a:cubicBezTo>
+                <a:cubicBezTo>
+                  <a:pt x="3660541" y="6726527"/>
+                  <a:pt x="3700484" y="6765613"/>
+                  <a:pt x="3703337" y="6826020"/>
+                </a:cubicBezTo>
+                <a:cubicBezTo>
+                  <a:pt x="3706191" y="6847340"/>
+                  <a:pt x="3700484" y="6865108"/>
+                  <a:pt x="3689072" y="6879321"/>
+                </a:cubicBezTo>
+                <a:lnTo>
+                  <a:pt x="0" y="6879321"/>
+                </a:lnTo>
+                <a:close/>
+              </a:path>
+            </a:pathLst>
+          </a:custGeom>
           <a:solidFill>
-            <a:schemeClr val="bg1"/>
+            <a:schemeClr val="bg2">
+              <a:alpha val="50000"/>
+            </a:schemeClr>
           </a:solidFill>
-          <a:ln>
+          <a:ln w="32707" cap="flat">
             <a:noFill/>
+            <a:prstDash val="solid"/>
+            <a:miter/>
           </a:ln>
-          <a:effectLst>
-            <a:outerShdw blurRad="139700" dist="127000" dir="5400000" algn="t" rotWithShape="0">
-              <a:prstClr val="black">
-                <a:alpha val="15000"/>
-              </a:prstClr>
-            </a:outerShdw>
-          </a:effectLst>
         </p:spPr>
-        <p:style>
-          <a:lnRef idx="2">
-            <a:schemeClr val="accent1">
-              <a:shade val="50000"/>
-            </a:schemeClr>
-          </a:lnRef>
-          <a:fillRef idx="1">
-            <a:schemeClr val="accent1"/>
-          </a:fillRef>
-          <a:effectRef idx="0">
-            <a:schemeClr val="accent1"/>
-          </a:effectRef>
-          <a:fontRef idx="minor">
-            <a:schemeClr val="lt1"/>
-          </a:fontRef>
-        </p:style>
         <p:txBody>
-          <a:bodyPr rtlCol="0" anchor="ctr"/>
+          <a:bodyPr wrap="square" rtlCol="0" anchor="ctr">
+            <a:noAutofit/>
+          </a:bodyPr>
           <a:lstStyle/>
           <a:p>
             <a:pPr algn="ctr"/>
@@ -13365,10 +13817,10 @@
       </p:sp>
       <p:pic>
         <p:nvPicPr>
-          <p:cNvPr id="4" name="Рисунок 4">
+          <p:cNvPr id="5" name="Рисунок 5">
             <a:extLst>
               <a:ext uri="{FF2B5EF4-FFF2-40B4-BE49-F238E27FC236}">
-                <a16:creationId xmlns:a16="http://schemas.microsoft.com/office/drawing/2014/main" id="{4D626CF1-960E-4C40-887F-7000BCC43DC9}"/>
+                <a16:creationId xmlns:a16="http://schemas.microsoft.com/office/drawing/2014/main" id="{EE3BD6D5-2590-4985-8FD9-0B3EE119AFEC}"/>
               </a:ext>
             </a:extLst>
           </p:cNvPr>
@@ -13379,19 +13831,166 @@
         </p:nvPicPr>
         <p:blipFill rotWithShape="1">
           <a:blip r:embed="rId2"/>
-          <a:srcRect l="562" t="178" r="375" b="154"/>
+          <a:srcRect t="832" r="813" b="132"/>
           <a:stretch/>
         </p:blipFill>
         <p:spPr>
           <a:xfrm>
-            <a:off x="6442686" y="666728"/>
-            <a:ext cx="4495612" cy="5465791"/>
+            <a:off x="210841" y="1207966"/>
+            <a:ext cx="3641252" cy="4438927"/>
           </a:xfrm>
           <a:prstGeom prst="rect">
             <a:avLst/>
           </a:prstGeom>
         </p:spPr>
       </p:pic>
+      <p:sp>
+        <p:nvSpPr>
+          <p:cNvPr id="3" name="Объект 2">
+            <a:extLst>
+              <a:ext uri="{FF2B5EF4-FFF2-40B4-BE49-F238E27FC236}">
+                <a16:creationId xmlns:a16="http://schemas.microsoft.com/office/drawing/2014/main" id="{2B7FF360-AACE-48E8-A187-77B303048D38}"/>
+              </a:ext>
+            </a:extLst>
+          </p:cNvPr>
+          <p:cNvSpPr>
+            <a:spLocks noGrp="1"/>
+          </p:cNvSpPr>
+          <p:nvPr>
+            <p:ph idx="1"/>
+          </p:nvPr>
+        </p:nvSpPr>
+        <p:spPr>
+          <a:xfrm>
+            <a:off x="6248400" y="2497257"/>
+            <a:ext cx="5105398" cy="3679705"/>
+          </a:xfrm>
+        </p:spPr>
+        <p:txBody>
+          <a:bodyPr vert="horz" lIns="91440" tIns="45720" rIns="91440" bIns="45720" rtlCol="0" anchor="t">
+            <a:normAutofit/>
+          </a:bodyPr>
+          <a:lstStyle/>
+          <a:p>
+            <a:pPr marL="0" indent="0">
+              <a:buNone/>
+            </a:pPr>
+            <a:endParaRPr lang="en-US" sz="2000">
+              <a:cs typeface="Calibri"/>
+            </a:endParaRPr>
+          </a:p>
+          <a:p>
+            <a:pPr marL="0" indent="0">
+              <a:buNone/>
+            </a:pPr>
+            <a:r>
+              <a:rPr lang="en-US" sz="2000" kern="1200" dirty="0">
+                <a:latin typeface="Segoe UI"/>
+                <a:cs typeface="Segoe UI"/>
+              </a:rPr>
+              <a:t>Я </a:t>
+            </a:r>
+            <a:r>
+              <a:rPr lang="en-US" sz="2000" kern="1200" err="1">
+                <a:latin typeface="Segoe UI"/>
+                <a:cs typeface="Segoe UI"/>
+              </a:rPr>
+              <a:t>решил</a:t>
+            </a:r>
+            <a:r>
+              <a:rPr lang="en-US" sz="2000" kern="1200" dirty="0">
+                <a:latin typeface="Segoe UI"/>
+                <a:cs typeface="Segoe UI"/>
+              </a:rPr>
+              <a:t> </a:t>
+            </a:r>
+            <a:r>
+              <a:rPr lang="en-US" sz="2000" kern="1200" err="1">
+                <a:latin typeface="Segoe UI"/>
+                <a:cs typeface="Segoe UI"/>
+              </a:rPr>
+              <a:t>написать</a:t>
+            </a:r>
+            <a:r>
+              <a:rPr lang="en-US" sz="2000" kern="1200" dirty="0">
+                <a:latin typeface="Segoe UI"/>
+                <a:cs typeface="Segoe UI"/>
+              </a:rPr>
+              <a:t> </a:t>
+            </a:r>
+            <a:r>
+              <a:rPr lang="en-US" sz="2000" kern="1200" err="1">
+                <a:latin typeface="Segoe UI"/>
+                <a:cs typeface="Segoe UI"/>
+              </a:rPr>
+              <a:t>довольно</a:t>
+            </a:r>
+            <a:r>
+              <a:rPr lang="en-US" sz="2000" kern="1200" dirty="0">
+                <a:latin typeface="Segoe UI"/>
+                <a:cs typeface="Segoe UI"/>
+              </a:rPr>
+              <a:t> </a:t>
+            </a:r>
+            <a:r>
+              <a:rPr lang="en-US" sz="2000" kern="1200" err="1">
+                <a:latin typeface="Segoe UI"/>
+                <a:cs typeface="Segoe UI"/>
+              </a:rPr>
+              <a:t>известную</a:t>
+            </a:r>
+            <a:r>
+              <a:rPr lang="en-US" sz="2000" kern="1200" dirty="0">
+                <a:latin typeface="Segoe UI"/>
+                <a:cs typeface="Segoe UI"/>
+              </a:rPr>
+              <a:t> </a:t>
+            </a:r>
+            <a:r>
+              <a:rPr lang="en-US" sz="2000" kern="1200" err="1">
+                <a:latin typeface="Segoe UI"/>
+                <a:cs typeface="Segoe UI"/>
+              </a:rPr>
+              <a:t>игру</a:t>
+            </a:r>
+            <a:r>
+              <a:rPr lang="en-US" sz="2000" kern="1200" dirty="0">
+                <a:latin typeface="Segoe UI"/>
+                <a:cs typeface="Segoe UI"/>
+              </a:rPr>
+              <a:t> - </a:t>
+            </a:r>
+            <a:r>
+              <a:rPr lang="en-US" sz="2000" kern="1200">
+                <a:latin typeface="Segoe UI"/>
+                <a:cs typeface="Segoe UI"/>
+              </a:rPr>
+              <a:t>тетрис.</a:t>
+            </a:r>
+            <a:r>
+              <a:rPr lang="en-US" sz="2000">
+                <a:latin typeface="Segoe UI"/>
+                <a:cs typeface="Segoe UI"/>
+              </a:rPr>
+              <a:t> Управление может осуществляться </a:t>
+            </a:r>
+            <a:r>
+              <a:rPr lang="en-US" sz="2000" dirty="0">
+                <a:latin typeface="Segoe UI"/>
+                <a:cs typeface="Segoe UI"/>
+              </a:rPr>
+              <a:t>как всеми привычными (w)asd (к </a:t>
+            </a:r>
+            <a:r>
+              <a:rPr lang="en-US" sz="2000">
+                <a:latin typeface="Segoe UI"/>
+                <a:cs typeface="Segoe UI"/>
+              </a:rPr>
+              <a:t>сожалению, фигура не может двигаться вверх), так и стрелочками на нумпаде.</a:t>
+            </a:r>
+          </a:p>
+        </p:txBody>
+      </p:sp>
     </p:spTree>
     <p:extLst>
       <p:ext uri="{BB962C8B-B14F-4D97-AF65-F5344CB8AC3E}">
@@ -13432,7 +14031,7 @@
       </p:grpSpPr>
       <p:sp useBgFill="1">
         <p:nvSpPr>
-          <p:cNvPr id="6" name="Rectangle 8">
+          <p:cNvPr id="12" name="Rectangle 11">
             <a:extLst>
               <a:ext uri="{FF2B5EF4-FFF2-40B4-BE49-F238E27FC236}">
                 <a16:creationId xmlns:a16="http://schemas.microsoft.com/office/drawing/2014/main" id="{2B97F24A-32CE-4C1C-A50D-3016B394DCFB}"/>
@@ -13492,7 +14091,7 @@
       </p:sp>
       <p:sp>
         <p:nvSpPr>
-          <p:cNvPr id="7" name="sketch line">
+          <p:cNvPr id="14" name="sketch line">
             <a:extLst>
               <a:ext uri="{FF2B5EF4-FFF2-40B4-BE49-F238E27FC236}">
                 <a16:creationId xmlns:a16="http://schemas.microsoft.com/office/drawing/2014/main" id="{CD8B4F24-440B-49E9-B85D-733523DC064B}"/>
@@ -13809,10 +14408,10 @@
       </p:sp>
       <p:pic>
         <p:nvPicPr>
-          <p:cNvPr id="4" name="Рисунок 4" descr="Изображение выглядит как LEGO, игрушка&#10;&#10;Автоматически созданное описание">
+          <p:cNvPr id="2" name="Рисунок 4" descr="Изображение выглядит как LEGO, игрушка&#10;&#10;Автоматически созданное описание">
             <a:extLst>
               <a:ext uri="{FF2B5EF4-FFF2-40B4-BE49-F238E27FC236}">
-                <a16:creationId xmlns:a16="http://schemas.microsoft.com/office/drawing/2014/main" id="{457E9E72-DDAE-4B27-9DD7-577B0DAB74DA}"/>
+                <a16:creationId xmlns:a16="http://schemas.microsoft.com/office/drawing/2014/main" id="{0A7CDC72-666E-438C-918F-D154AC846AA4}"/>
               </a:ext>
             </a:extLst>
           </p:cNvPr>
@@ -13875,12 +14474,858 @@
           <a:chExt cx="0" cy="0"/>
         </a:xfrm>
       </p:grpSpPr>
+      <p:sp useBgFill="1">
+        <p:nvSpPr>
+          <p:cNvPr id="8" name="Rectangle 10">
+            <a:extLst>
+              <a:ext uri="{FF2B5EF4-FFF2-40B4-BE49-F238E27FC236}">
+                <a16:creationId xmlns:a16="http://schemas.microsoft.com/office/drawing/2014/main" id="{85F55C16-BC21-49EF-A4FF-C3155BB93BD3}"/>
+              </a:ext>
+              <a:ext uri="{C183D7F6-B498-43B3-948B-1728B52AA6E4}">
+                <adec:decorative xmlns:adec="http://schemas.microsoft.com/office/drawing/2017/decorative" val="1"/>
+              </a:ext>
+            </a:extLst>
+          </p:cNvPr>
+          <p:cNvSpPr>
+            <a:spLocks noGrp="1" noRot="1" noChangeAspect="1" noMove="1" noResize="1" noEditPoints="1" noAdjustHandles="1" noChangeArrowheads="1" noChangeShapeType="1" noTextEdit="1"/>
+          </p:cNvSpPr>
+          <p:nvPr>
+            <p:extLst>
+              <p:ext uri="{386F3935-93C4-4BCD-93E2-E3B085C9AB24}">
+                <p16:designElem xmlns:p16="http://schemas.microsoft.com/office/powerpoint/2015/main" val="1"/>
+              </p:ext>
+            </p:extLst>
+          </p:nvPr>
+        </p:nvSpPr>
+        <p:spPr>
+          <a:xfrm>
+            <a:off x="0" y="0"/>
+            <a:ext cx="12188952" cy="6858000"/>
+          </a:xfrm>
+          <a:prstGeom prst="rect">
+            <a:avLst/>
+          </a:prstGeom>
+          <a:ln>
+            <a:noFill/>
+          </a:ln>
+        </p:spPr>
+        <p:style>
+          <a:lnRef idx="2">
+            <a:schemeClr val="accent1">
+              <a:shade val="50000"/>
+            </a:schemeClr>
+          </a:lnRef>
+          <a:fillRef idx="1">
+            <a:schemeClr val="accent1"/>
+          </a:fillRef>
+          <a:effectRef idx="0">
+            <a:schemeClr val="accent1"/>
+          </a:effectRef>
+          <a:fontRef idx="minor">
+            <a:schemeClr val="lt1"/>
+          </a:fontRef>
+        </p:style>
+        <p:txBody>
+          <a:bodyPr rtlCol="0" anchor="ctr"/>
+          <a:lstStyle/>
+          <a:p>
+            <a:pPr algn="ctr"/>
+            <a:endParaRPr lang="en-US"/>
+          </a:p>
+        </p:txBody>
+      </p:sp>
+      <p:sp>
+        <p:nvSpPr>
+          <p:cNvPr id="2" name="Заголовок 1">
+            <a:extLst>
+              <a:ext uri="{FF2B5EF4-FFF2-40B4-BE49-F238E27FC236}">
+                <a16:creationId xmlns:a16="http://schemas.microsoft.com/office/drawing/2014/main" id="{34A76644-1418-4B57-9458-724AD1C85061}"/>
+              </a:ext>
+            </a:extLst>
+          </p:cNvPr>
+          <p:cNvSpPr>
+            <a:spLocks noGrp="1"/>
+          </p:cNvSpPr>
+          <p:nvPr>
+            <p:ph type="title"/>
+          </p:nvPr>
+        </p:nvSpPr>
+        <p:spPr>
+          <a:xfrm>
+            <a:off x="6248400" y="365125"/>
+            <a:ext cx="5105398" cy="1952744"/>
+          </a:xfrm>
+        </p:spPr>
+        <p:txBody>
+          <a:bodyPr>
+            <a:normAutofit/>
+          </a:bodyPr>
+          <a:lstStyle/>
+          <a:p>
+            <a:r>
+              <a:rPr lang="ru-RU" sz="3700">
+                <a:cs typeface="Calibri Light"/>
+              </a:rPr>
+              <a:t>Кроссплатформенность</a:t>
+            </a:r>
+            <a:endParaRPr lang="ru-RU" sz="3700"/>
+          </a:p>
+        </p:txBody>
+      </p:sp>
+      <p:sp>
+        <p:nvSpPr>
+          <p:cNvPr id="9" name="Freeform: Shape 12">
+            <a:extLst>
+              <a:ext uri="{FF2B5EF4-FFF2-40B4-BE49-F238E27FC236}">
+                <a16:creationId xmlns:a16="http://schemas.microsoft.com/office/drawing/2014/main" id="{0C5F069E-AFE6-4825-8945-46F2918A5019}"/>
+              </a:ext>
+              <a:ext uri="{C183D7F6-B498-43B3-948B-1728B52AA6E4}">
+                <adec:decorative xmlns:adec="http://schemas.microsoft.com/office/drawing/2017/decorative" val="1"/>
+              </a:ext>
+            </a:extLst>
+          </p:cNvPr>
+          <p:cNvSpPr>
+            <a:spLocks noGrp="1" noRot="1" noChangeAspect="1" noMove="1" noResize="1" noEditPoints="1" noAdjustHandles="1" noChangeArrowheads="1" noChangeShapeType="1" noTextEdit="1"/>
+          </p:cNvSpPr>
+          <p:nvPr>
+            <p:extLst>
+              <p:ext uri="{386F3935-93C4-4BCD-93E2-E3B085C9AB24}">
+                <p16:designElem xmlns:p16="http://schemas.microsoft.com/office/powerpoint/2015/main" val="1"/>
+              </p:ext>
+            </p:extLst>
+          </p:nvPr>
+        </p:nvSpPr>
+        <p:spPr>
+          <a:xfrm>
+            <a:off x="3" y="0"/>
+            <a:ext cx="6116569" cy="6858000"/>
+          </a:xfrm>
+          <a:custGeom>
+            <a:avLst/>
+            <a:gdLst>
+              <a:gd name="connsiteX0" fmla="*/ 0 w 6116569"/>
+              <a:gd name="connsiteY0" fmla="*/ 0 h 6879321"/>
+              <a:gd name="connsiteX1" fmla="*/ 2935851 w 6116569"/>
+              <a:gd name="connsiteY1" fmla="*/ 0 h 6879321"/>
+              <a:gd name="connsiteX2" fmla="*/ 3238280 w 6116569"/>
+              <a:gd name="connsiteY2" fmla="*/ 31980 h 6879321"/>
+              <a:gd name="connsiteX3" fmla="*/ 3660541 w 6116569"/>
+              <a:gd name="connsiteY3" fmla="*/ 550772 h 6879321"/>
+              <a:gd name="connsiteX4" fmla="*/ 3808902 w 6116569"/>
+              <a:gd name="connsiteY4" fmla="*/ 589860 h 6879321"/>
+              <a:gd name="connsiteX5" fmla="*/ 4413762 w 6116569"/>
+              <a:gd name="connsiteY5" fmla="*/ 625393 h 6879321"/>
+              <a:gd name="connsiteX6" fmla="*/ 4567830 w 6116569"/>
+              <a:gd name="connsiteY6" fmla="*/ 721333 h 6879321"/>
+              <a:gd name="connsiteX7" fmla="*/ 4171247 w 6116569"/>
+              <a:gd name="connsiteY7" fmla="*/ 792401 h 6879321"/>
+              <a:gd name="connsiteX8" fmla="*/ 4376671 w 6116569"/>
+              <a:gd name="connsiteY8" fmla="*/ 842148 h 6879321"/>
+              <a:gd name="connsiteX9" fmla="*/ 4527887 w 6116569"/>
+              <a:gd name="connsiteY9" fmla="*/ 813722 h 6879321"/>
+              <a:gd name="connsiteX10" fmla="*/ 4633452 w 6116569"/>
+              <a:gd name="connsiteY10" fmla="*/ 799508 h 6879321"/>
+              <a:gd name="connsiteX11" fmla="*/ 4947293 w 6116569"/>
+              <a:gd name="connsiteY11" fmla="*/ 870576 h 6879321"/>
+              <a:gd name="connsiteX12" fmla="*/ 5263988 w 6116569"/>
+              <a:gd name="connsiteY12" fmla="*/ 820828 h 6879321"/>
+              <a:gd name="connsiteX13" fmla="*/ 5249723 w 6116569"/>
+              <a:gd name="connsiteY13" fmla="*/ 895449 h 6879321"/>
+              <a:gd name="connsiteX14" fmla="*/ 4744723 w 6116569"/>
+              <a:gd name="connsiteY14" fmla="*/ 1197485 h 6879321"/>
+              <a:gd name="connsiteX15" fmla="*/ 4767548 w 6116569"/>
+              <a:gd name="connsiteY15" fmla="*/ 1346727 h 6879321"/>
+              <a:gd name="connsiteX16" fmla="*/ 4539299 w 6116569"/>
+              <a:gd name="connsiteY16" fmla="*/ 1421348 h 6879321"/>
+              <a:gd name="connsiteX17" fmla="*/ 4607773 w 6116569"/>
+              <a:gd name="connsiteY17" fmla="*/ 1485309 h 6879321"/>
+              <a:gd name="connsiteX18" fmla="*/ 4579242 w 6116569"/>
+              <a:gd name="connsiteY18" fmla="*/ 1535055 h 6879321"/>
+              <a:gd name="connsiteX19" fmla="*/ 5278255 w 6116569"/>
+              <a:gd name="connsiteY19" fmla="*/ 1609676 h 6879321"/>
+              <a:gd name="connsiteX20" fmla="*/ 5771843 w 6116569"/>
+              <a:gd name="connsiteY20" fmla="*/ 1630997 h 6879321"/>
+              <a:gd name="connsiteX21" fmla="*/ 6105656 w 6116569"/>
+              <a:gd name="connsiteY21" fmla="*/ 1748257 h 6879321"/>
+              <a:gd name="connsiteX22" fmla="*/ 5691955 w 6116569"/>
+              <a:gd name="connsiteY22" fmla="*/ 2167555 h 6879321"/>
+              <a:gd name="connsiteX23" fmla="*/ 5475118 w 6116569"/>
+              <a:gd name="connsiteY23" fmla="*/ 2348776 h 6879321"/>
+              <a:gd name="connsiteX24" fmla="*/ 5826051 w 6116569"/>
+              <a:gd name="connsiteY24" fmla="*/ 2291922 h 6879321"/>
+              <a:gd name="connsiteX25" fmla="*/ 5552153 w 6116569"/>
+              <a:gd name="connsiteY25" fmla="*/ 2597513 h 6879321"/>
+              <a:gd name="connsiteX26" fmla="*/ 5603508 w 6116569"/>
+              <a:gd name="connsiteY26" fmla="*/ 2647260 h 6879321"/>
+              <a:gd name="connsiteX27" fmla="*/ 5700515 w 6116569"/>
+              <a:gd name="connsiteY27" fmla="*/ 2679240 h 6879321"/>
+              <a:gd name="connsiteX28" fmla="*/ 5246870 w 6116569"/>
+              <a:gd name="connsiteY28" fmla="*/ 2888889 h 6879321"/>
+              <a:gd name="connsiteX29" fmla="*/ 4836022 w 6116569"/>
+              <a:gd name="connsiteY29" fmla="*/ 3169605 h 6879321"/>
+              <a:gd name="connsiteX30" fmla="*/ 4736163 w 6116569"/>
+              <a:gd name="connsiteY30" fmla="*/ 3233565 h 6879321"/>
+              <a:gd name="connsiteX31" fmla="*/ 4853141 w 6116569"/>
+              <a:gd name="connsiteY31" fmla="*/ 3233565 h 6879321"/>
+              <a:gd name="connsiteX32" fmla="*/ 4944440 w 6116569"/>
+              <a:gd name="connsiteY32" fmla="*/ 3226459 h 6879321"/>
+              <a:gd name="connsiteX33" fmla="*/ 5109921 w 6116569"/>
+              <a:gd name="connsiteY33" fmla="*/ 3283313 h 6879321"/>
+              <a:gd name="connsiteX34" fmla="*/ 5694809 w 6116569"/>
+              <a:gd name="connsiteY34" fmla="*/ 3141178 h 6879321"/>
+              <a:gd name="connsiteX35" fmla="*/ 5566419 w 6116569"/>
+              <a:gd name="connsiteY35" fmla="*/ 3301079 h 6879321"/>
+              <a:gd name="connsiteX36" fmla="*/ 5415203 w 6116569"/>
+              <a:gd name="connsiteY36" fmla="*/ 3397020 h 6879321"/>
+              <a:gd name="connsiteX37" fmla="*/ 5612068 w 6116569"/>
+              <a:gd name="connsiteY37" fmla="*/ 3432554 h 6879321"/>
+              <a:gd name="connsiteX38" fmla="*/ 5206927 w 6116569"/>
+              <a:gd name="connsiteY38" fmla="*/ 3599562 h 6879321"/>
+              <a:gd name="connsiteX39" fmla="*/ 5301079 w 6116569"/>
+              <a:gd name="connsiteY39" fmla="*/ 3723930 h 6879321"/>
+              <a:gd name="connsiteX40" fmla="*/ 4507915 w 6116569"/>
+              <a:gd name="connsiteY40" fmla="*/ 4306683 h 6879321"/>
+              <a:gd name="connsiteX41" fmla="*/ 3982942 w 6116569"/>
+              <a:gd name="connsiteY41" fmla="*/ 4587399 h 6879321"/>
+              <a:gd name="connsiteX42" fmla="*/ 4185513 w 6116569"/>
+              <a:gd name="connsiteY42" fmla="*/ 4541205 h 6879321"/>
+              <a:gd name="connsiteX43" fmla="*/ 5212633 w 6116569"/>
+              <a:gd name="connsiteY43" fmla="*/ 4455924 h 6879321"/>
+              <a:gd name="connsiteX44" fmla="*/ 5312492 w 6116569"/>
+              <a:gd name="connsiteY44" fmla="*/ 4473691 h 6879321"/>
+              <a:gd name="connsiteX45" fmla="*/ 4596361 w 6116569"/>
+              <a:gd name="connsiteY45" fmla="*/ 4818368 h 6879321"/>
+              <a:gd name="connsiteX46" fmla="*/ 4873113 w 6116569"/>
+              <a:gd name="connsiteY46" fmla="*/ 4885882 h 6879321"/>
+              <a:gd name="connsiteX47" fmla="*/ 4935881 w 6116569"/>
+              <a:gd name="connsiteY47" fmla="*/ 4914309 h 6879321"/>
+              <a:gd name="connsiteX48" fmla="*/ 4873113 w 6116569"/>
+              <a:gd name="connsiteY48" fmla="*/ 5003143 h 6879321"/>
+              <a:gd name="connsiteX49" fmla="*/ 4721898 w 6116569"/>
+              <a:gd name="connsiteY49" fmla="*/ 5095530 h 6879321"/>
+              <a:gd name="connsiteX50" fmla="*/ 5132745 w 6116569"/>
+              <a:gd name="connsiteY50" fmla="*/ 4949842 h 6879321"/>
+              <a:gd name="connsiteX51" fmla="*/ 5101362 w 6116569"/>
+              <a:gd name="connsiteY51" fmla="*/ 5081317 h 6879321"/>
+              <a:gd name="connsiteX52" fmla="*/ 5138452 w 6116569"/>
+              <a:gd name="connsiteY52" fmla="*/ 5198578 h 6879321"/>
+              <a:gd name="connsiteX53" fmla="*/ 4904497 w 6116569"/>
+              <a:gd name="connsiteY53" fmla="*/ 5362033 h 6879321"/>
+              <a:gd name="connsiteX54" fmla="*/ 4579242 w 6116569"/>
+              <a:gd name="connsiteY54" fmla="*/ 5674729 h 6879321"/>
+              <a:gd name="connsiteX55" fmla="*/ 4253988 w 6116569"/>
+              <a:gd name="connsiteY55" fmla="*/ 5884379 h 6879321"/>
+              <a:gd name="connsiteX56" fmla="*/ 3985795 w 6116569"/>
+              <a:gd name="connsiteY56" fmla="*/ 6069153 h 6879321"/>
+              <a:gd name="connsiteX57" fmla="*/ 4231163 w 6116569"/>
+              <a:gd name="connsiteY57" fmla="*/ 6030066 h 6879321"/>
+              <a:gd name="connsiteX58" fmla="*/ 3814609 w 6116569"/>
+              <a:gd name="connsiteY58" fmla="*/ 6317889 h 6879321"/>
+              <a:gd name="connsiteX59" fmla="*/ 3751840 w 6116569"/>
+              <a:gd name="connsiteY59" fmla="*/ 6339209 h 6879321"/>
+              <a:gd name="connsiteX60" fmla="*/ 3089919 w 6116569"/>
+              <a:gd name="connsiteY60" fmla="*/ 6563071 h 6879321"/>
+              <a:gd name="connsiteX61" fmla="*/ 2961529 w 6116569"/>
+              <a:gd name="connsiteY61" fmla="*/ 6662566 h 6879321"/>
+              <a:gd name="connsiteX62" fmla="*/ 3107038 w 6116569"/>
+              <a:gd name="connsiteY62" fmla="*/ 6673226 h 6879321"/>
+              <a:gd name="connsiteX63" fmla="*/ 3594919 w 6116569"/>
+              <a:gd name="connsiteY63" fmla="*/ 6591499 h 6879321"/>
+              <a:gd name="connsiteX64" fmla="*/ 3261106 w 6116569"/>
+              <a:gd name="connsiteY64" fmla="*/ 6726527 h 6879321"/>
+              <a:gd name="connsiteX65" fmla="*/ 3620597 w 6116569"/>
+              <a:gd name="connsiteY65" fmla="*/ 6740740 h 6879321"/>
+              <a:gd name="connsiteX66" fmla="*/ 3703337 w 6116569"/>
+              <a:gd name="connsiteY66" fmla="*/ 6826020 h 6879321"/>
+              <a:gd name="connsiteX67" fmla="*/ 3689072 w 6116569"/>
+              <a:gd name="connsiteY67" fmla="*/ 6879321 h 6879321"/>
+              <a:gd name="connsiteX68" fmla="*/ 0 w 6116569"/>
+              <a:gd name="connsiteY68" fmla="*/ 6879321 h 6879321"/>
+            </a:gdLst>
+            <a:ahLst/>
+            <a:cxnLst>
+              <a:cxn ang="0">
+                <a:pos x="connsiteX0" y="connsiteY0"/>
+              </a:cxn>
+              <a:cxn ang="0">
+                <a:pos x="connsiteX1" y="connsiteY1"/>
+              </a:cxn>
+              <a:cxn ang="0">
+                <a:pos x="connsiteX2" y="connsiteY2"/>
+              </a:cxn>
+              <a:cxn ang="0">
+                <a:pos x="connsiteX3" y="connsiteY3"/>
+              </a:cxn>
+              <a:cxn ang="0">
+                <a:pos x="connsiteX4" y="connsiteY4"/>
+              </a:cxn>
+              <a:cxn ang="0">
+                <a:pos x="connsiteX5" y="connsiteY5"/>
+              </a:cxn>
+              <a:cxn ang="0">
+                <a:pos x="connsiteX6" y="connsiteY6"/>
+              </a:cxn>
+              <a:cxn ang="0">
+                <a:pos x="connsiteX7" y="connsiteY7"/>
+              </a:cxn>
+              <a:cxn ang="0">
+                <a:pos x="connsiteX8" y="connsiteY8"/>
+              </a:cxn>
+              <a:cxn ang="0">
+                <a:pos x="connsiteX9" y="connsiteY9"/>
+              </a:cxn>
+              <a:cxn ang="0">
+                <a:pos x="connsiteX10" y="connsiteY10"/>
+              </a:cxn>
+              <a:cxn ang="0">
+                <a:pos x="connsiteX11" y="connsiteY11"/>
+              </a:cxn>
+              <a:cxn ang="0">
+                <a:pos x="connsiteX12" y="connsiteY12"/>
+              </a:cxn>
+              <a:cxn ang="0">
+                <a:pos x="connsiteX13" y="connsiteY13"/>
+              </a:cxn>
+              <a:cxn ang="0">
+                <a:pos x="connsiteX14" y="connsiteY14"/>
+              </a:cxn>
+              <a:cxn ang="0">
+                <a:pos x="connsiteX15" y="connsiteY15"/>
+              </a:cxn>
+              <a:cxn ang="0">
+                <a:pos x="connsiteX16" y="connsiteY16"/>
+              </a:cxn>
+              <a:cxn ang="0">
+                <a:pos x="connsiteX17" y="connsiteY17"/>
+              </a:cxn>
+              <a:cxn ang="0">
+                <a:pos x="connsiteX18" y="connsiteY18"/>
+              </a:cxn>
+              <a:cxn ang="0">
+                <a:pos x="connsiteX19" y="connsiteY19"/>
+              </a:cxn>
+              <a:cxn ang="0">
+                <a:pos x="connsiteX20" y="connsiteY20"/>
+              </a:cxn>
+              <a:cxn ang="0">
+                <a:pos x="connsiteX21" y="connsiteY21"/>
+              </a:cxn>
+              <a:cxn ang="0">
+                <a:pos x="connsiteX22" y="connsiteY22"/>
+              </a:cxn>
+              <a:cxn ang="0">
+                <a:pos x="connsiteX23" y="connsiteY23"/>
+              </a:cxn>
+              <a:cxn ang="0">
+                <a:pos x="connsiteX24" y="connsiteY24"/>
+              </a:cxn>
+              <a:cxn ang="0">
+                <a:pos x="connsiteX25" y="connsiteY25"/>
+              </a:cxn>
+              <a:cxn ang="0">
+                <a:pos x="connsiteX26" y="connsiteY26"/>
+              </a:cxn>
+              <a:cxn ang="0">
+                <a:pos x="connsiteX27" y="connsiteY27"/>
+              </a:cxn>
+              <a:cxn ang="0">
+                <a:pos x="connsiteX28" y="connsiteY28"/>
+              </a:cxn>
+              <a:cxn ang="0">
+                <a:pos x="connsiteX29" y="connsiteY29"/>
+              </a:cxn>
+              <a:cxn ang="0">
+                <a:pos x="connsiteX30" y="connsiteY30"/>
+              </a:cxn>
+              <a:cxn ang="0">
+                <a:pos x="connsiteX31" y="connsiteY31"/>
+              </a:cxn>
+              <a:cxn ang="0">
+                <a:pos x="connsiteX32" y="connsiteY32"/>
+              </a:cxn>
+              <a:cxn ang="0">
+                <a:pos x="connsiteX33" y="connsiteY33"/>
+              </a:cxn>
+              <a:cxn ang="0">
+                <a:pos x="connsiteX34" y="connsiteY34"/>
+              </a:cxn>
+              <a:cxn ang="0">
+                <a:pos x="connsiteX35" y="connsiteY35"/>
+              </a:cxn>
+              <a:cxn ang="0">
+                <a:pos x="connsiteX36" y="connsiteY36"/>
+              </a:cxn>
+              <a:cxn ang="0">
+                <a:pos x="connsiteX37" y="connsiteY37"/>
+              </a:cxn>
+              <a:cxn ang="0">
+                <a:pos x="connsiteX38" y="connsiteY38"/>
+              </a:cxn>
+              <a:cxn ang="0">
+                <a:pos x="connsiteX39" y="connsiteY39"/>
+              </a:cxn>
+              <a:cxn ang="0">
+                <a:pos x="connsiteX40" y="connsiteY40"/>
+              </a:cxn>
+              <a:cxn ang="0">
+                <a:pos x="connsiteX41" y="connsiteY41"/>
+              </a:cxn>
+              <a:cxn ang="0">
+                <a:pos x="connsiteX42" y="connsiteY42"/>
+              </a:cxn>
+              <a:cxn ang="0">
+                <a:pos x="connsiteX43" y="connsiteY43"/>
+              </a:cxn>
+              <a:cxn ang="0">
+                <a:pos x="connsiteX44" y="connsiteY44"/>
+              </a:cxn>
+              <a:cxn ang="0">
+                <a:pos x="connsiteX45" y="connsiteY45"/>
+              </a:cxn>
+              <a:cxn ang="0">
+                <a:pos x="connsiteX46" y="connsiteY46"/>
+              </a:cxn>
+              <a:cxn ang="0">
+                <a:pos x="connsiteX47" y="connsiteY47"/>
+              </a:cxn>
+              <a:cxn ang="0">
+                <a:pos x="connsiteX48" y="connsiteY48"/>
+              </a:cxn>
+              <a:cxn ang="0">
+                <a:pos x="connsiteX49" y="connsiteY49"/>
+              </a:cxn>
+              <a:cxn ang="0">
+                <a:pos x="connsiteX50" y="connsiteY50"/>
+              </a:cxn>
+              <a:cxn ang="0">
+                <a:pos x="connsiteX51" y="connsiteY51"/>
+              </a:cxn>
+              <a:cxn ang="0">
+                <a:pos x="connsiteX52" y="connsiteY52"/>
+              </a:cxn>
+              <a:cxn ang="0">
+                <a:pos x="connsiteX53" y="connsiteY53"/>
+              </a:cxn>
+              <a:cxn ang="0">
+                <a:pos x="connsiteX54" y="connsiteY54"/>
+              </a:cxn>
+              <a:cxn ang="0">
+                <a:pos x="connsiteX55" y="connsiteY55"/>
+              </a:cxn>
+              <a:cxn ang="0">
+                <a:pos x="connsiteX56" y="connsiteY56"/>
+              </a:cxn>
+              <a:cxn ang="0">
+                <a:pos x="connsiteX57" y="connsiteY57"/>
+              </a:cxn>
+              <a:cxn ang="0">
+                <a:pos x="connsiteX58" y="connsiteY58"/>
+              </a:cxn>
+              <a:cxn ang="0">
+                <a:pos x="connsiteX59" y="connsiteY59"/>
+              </a:cxn>
+              <a:cxn ang="0">
+                <a:pos x="connsiteX60" y="connsiteY60"/>
+              </a:cxn>
+              <a:cxn ang="0">
+                <a:pos x="connsiteX61" y="connsiteY61"/>
+              </a:cxn>
+              <a:cxn ang="0">
+                <a:pos x="connsiteX62" y="connsiteY62"/>
+              </a:cxn>
+              <a:cxn ang="0">
+                <a:pos x="connsiteX63" y="connsiteY63"/>
+              </a:cxn>
+              <a:cxn ang="0">
+                <a:pos x="connsiteX64" y="connsiteY64"/>
+              </a:cxn>
+              <a:cxn ang="0">
+                <a:pos x="connsiteX65" y="connsiteY65"/>
+              </a:cxn>
+              <a:cxn ang="0">
+                <a:pos x="connsiteX66" y="connsiteY66"/>
+              </a:cxn>
+              <a:cxn ang="0">
+                <a:pos x="connsiteX67" y="connsiteY67"/>
+              </a:cxn>
+              <a:cxn ang="0">
+                <a:pos x="connsiteX68" y="connsiteY68"/>
+              </a:cxn>
+            </a:cxnLst>
+            <a:rect l="l" t="t" r="r" b="b"/>
+            <a:pathLst>
+              <a:path w="6116569" h="6879321">
+                <a:moveTo>
+                  <a:pt x="0" y="0"/>
+                </a:moveTo>
+                <a:lnTo>
+                  <a:pt x="2935851" y="0"/>
+                </a:lnTo>
+                <a:cubicBezTo>
+                  <a:pt x="3035710" y="10660"/>
+                  <a:pt x="3138421" y="17767"/>
+                  <a:pt x="3238280" y="31980"/>
+                </a:cubicBezTo>
+                <a:cubicBezTo>
+                  <a:pt x="3817462" y="106602"/>
+                  <a:pt x="3127009" y="277163"/>
+                  <a:pt x="3660541" y="550772"/>
+                </a:cubicBezTo>
+                <a:cubicBezTo>
+                  <a:pt x="3706191" y="575645"/>
+                  <a:pt x="3757546" y="579199"/>
+                  <a:pt x="3808902" y="589860"/>
+                </a:cubicBezTo>
+                <a:cubicBezTo>
+                  <a:pt x="4008620" y="625393"/>
+                  <a:pt x="4211192" y="618286"/>
+                  <a:pt x="4413762" y="625393"/>
+                </a:cubicBezTo>
+                <a:cubicBezTo>
+                  <a:pt x="4465118" y="628946"/>
+                  <a:pt x="4525033" y="625393"/>
+                  <a:pt x="4567830" y="721333"/>
+                </a:cubicBezTo>
+                <a:cubicBezTo>
+                  <a:pt x="4425175" y="724888"/>
+                  <a:pt x="4305344" y="731994"/>
+                  <a:pt x="4171247" y="792401"/>
+                </a:cubicBezTo>
+                <a:cubicBezTo>
+                  <a:pt x="4239722" y="859916"/>
+                  <a:pt x="4322462" y="795955"/>
+                  <a:pt x="4376671" y="842148"/>
+                </a:cubicBezTo>
+                <a:cubicBezTo>
+                  <a:pt x="4428027" y="888342"/>
+                  <a:pt x="4470824" y="891896"/>
+                  <a:pt x="4527887" y="813722"/>
+                </a:cubicBezTo>
+                <a:cubicBezTo>
+                  <a:pt x="4556417" y="774634"/>
+                  <a:pt x="4604920" y="778187"/>
+                  <a:pt x="4633452" y="799508"/>
+                </a:cubicBezTo>
+                <a:cubicBezTo>
+                  <a:pt x="4781813" y="913216"/>
+                  <a:pt x="4778960" y="909662"/>
+                  <a:pt x="4947293" y="870576"/>
+                </a:cubicBezTo>
+                <a:cubicBezTo>
+                  <a:pt x="5055712" y="845701"/>
+                  <a:pt x="5166983" y="806615"/>
+                  <a:pt x="5263988" y="820828"/>
+                </a:cubicBezTo>
+                <a:cubicBezTo>
+                  <a:pt x="5275401" y="867022"/>
+                  <a:pt x="5263988" y="888342"/>
+                  <a:pt x="5249723" y="895449"/>
+                </a:cubicBezTo>
+                <a:cubicBezTo>
+                  <a:pt x="5021475" y="1005604"/>
+                  <a:pt x="4975825" y="1122864"/>
+                  <a:pt x="4744723" y="1197485"/>
+                </a:cubicBezTo>
+                <a:cubicBezTo>
+                  <a:pt x="4724751" y="1268552"/>
+                  <a:pt x="4807491" y="1275660"/>
+                  <a:pt x="4767548" y="1346727"/>
+                </a:cubicBezTo>
+                <a:cubicBezTo>
+                  <a:pt x="4693367" y="1407134"/>
+                  <a:pt x="4610627" y="1346727"/>
+                  <a:pt x="4539299" y="1421348"/>
+                </a:cubicBezTo>
+                <a:cubicBezTo>
+                  <a:pt x="4550712" y="1471094"/>
+                  <a:pt x="4610627" y="1432008"/>
+                  <a:pt x="4607773" y="1485309"/>
+                </a:cubicBezTo>
+                <a:cubicBezTo>
+                  <a:pt x="4604920" y="1517288"/>
+                  <a:pt x="4593508" y="1527948"/>
+                  <a:pt x="4579242" y="1535055"/>
+                </a:cubicBezTo>
+                <a:cubicBezTo>
+                  <a:pt x="4776107" y="1538608"/>
+                  <a:pt x="5383820" y="1574142"/>
+                  <a:pt x="5278255" y="1609676"/>
+                </a:cubicBezTo>
+                <a:cubicBezTo>
+                  <a:pt x="5418057" y="1698511"/>
+                  <a:pt x="5623481" y="1609676"/>
+                  <a:pt x="5771843" y="1630997"/>
+                </a:cubicBezTo>
+                <a:cubicBezTo>
+                  <a:pt x="5925911" y="1652316"/>
+                  <a:pt x="6171278" y="1719830"/>
+                  <a:pt x="6105656" y="1748257"/>
+                </a:cubicBezTo>
+                <a:cubicBezTo>
+                  <a:pt x="6031475" y="1780238"/>
+                  <a:pt x="5766136" y="2146235"/>
+                  <a:pt x="5691955" y="2167555"/>
+                </a:cubicBezTo>
+                <a:cubicBezTo>
+                  <a:pt x="5606362" y="2188875"/>
+                  <a:pt x="5589243" y="2217302"/>
+                  <a:pt x="5475118" y="2348776"/>
+                </a:cubicBezTo>
+                <a:cubicBezTo>
+                  <a:pt x="5398085" y="2437610"/>
+                  <a:pt x="5709074" y="2238623"/>
+                  <a:pt x="5826051" y="2291922"/>
+                </a:cubicBezTo>
+                <a:cubicBezTo>
+                  <a:pt x="5868848" y="2309690"/>
+                  <a:pt x="5552153" y="2554872"/>
+                  <a:pt x="5552153" y="2597513"/>
+                </a:cubicBezTo>
+                <a:cubicBezTo>
+                  <a:pt x="5549300" y="2640153"/>
+                  <a:pt x="5577831" y="2647260"/>
+                  <a:pt x="5603508" y="2647260"/>
+                </a:cubicBezTo>
+                <a:cubicBezTo>
+                  <a:pt x="5660571" y="2647260"/>
+                  <a:pt x="5640599" y="2686346"/>
+                  <a:pt x="5700515" y="2679240"/>
+                </a:cubicBezTo>
+                <a:cubicBezTo>
+                  <a:pt x="5523622" y="2800055"/>
+                  <a:pt x="5418057" y="2778734"/>
+                  <a:pt x="5246870" y="2888889"/>
+                </a:cubicBezTo>
+                <a:cubicBezTo>
+                  <a:pt x="5164130" y="2942189"/>
+                  <a:pt x="4921615" y="3119857"/>
+                  <a:pt x="4836022" y="3169605"/>
+                </a:cubicBezTo>
+                <a:cubicBezTo>
+                  <a:pt x="4801785" y="3187371"/>
+                  <a:pt x="4758988" y="3173158"/>
+                  <a:pt x="4736163" y="3233565"/>
+                </a:cubicBezTo>
+                <a:cubicBezTo>
+                  <a:pt x="4770400" y="3279759"/>
+                  <a:pt x="4816050" y="3254885"/>
+                  <a:pt x="4853141" y="3233565"/>
+                </a:cubicBezTo>
+                <a:cubicBezTo>
+                  <a:pt x="4944440" y="3176711"/>
+                  <a:pt x="4935881" y="3190925"/>
+                  <a:pt x="4944440" y="3226459"/>
+                </a:cubicBezTo>
+                <a:cubicBezTo>
+                  <a:pt x="4972972" y="3350827"/>
+                  <a:pt x="5044300" y="3308186"/>
+                  <a:pt x="5109921" y="3283313"/>
+                </a:cubicBezTo>
+                <a:cubicBezTo>
+                  <a:pt x="5303932" y="3208692"/>
+                  <a:pt x="5500797" y="3215799"/>
+                  <a:pt x="5694809" y="3141178"/>
+                </a:cubicBezTo>
+                <a:cubicBezTo>
+                  <a:pt x="5714781" y="3134070"/>
+                  <a:pt x="5612068" y="3283313"/>
+                  <a:pt x="5566419" y="3301079"/>
+                </a:cubicBezTo>
+                <a:cubicBezTo>
+                  <a:pt x="5515063" y="3322399"/>
+                  <a:pt x="5452294" y="3311739"/>
+                  <a:pt x="5415203" y="3397020"/>
+                </a:cubicBezTo>
+                <a:cubicBezTo>
+                  <a:pt x="5477972" y="3414787"/>
+                  <a:pt x="5552153" y="3372147"/>
+                  <a:pt x="5612068" y="3432554"/>
+                </a:cubicBezTo>
+                <a:cubicBezTo>
+                  <a:pt x="5469413" y="3528494"/>
+                  <a:pt x="5329610" y="3535601"/>
+                  <a:pt x="5206927" y="3599562"/>
+                </a:cubicBezTo>
+                <a:cubicBezTo>
+                  <a:pt x="5192661" y="3706163"/>
+                  <a:pt x="5272548" y="3663523"/>
+                  <a:pt x="5301079" y="3723930"/>
+                </a:cubicBezTo>
+                <a:cubicBezTo>
+                  <a:pt x="5072830" y="3844745"/>
+                  <a:pt x="4564977" y="4232062"/>
+                  <a:pt x="4507915" y="4306683"/>
+                </a:cubicBezTo>
+                <a:cubicBezTo>
+                  <a:pt x="4390937" y="4463031"/>
+                  <a:pt x="3900202" y="4562525"/>
+                  <a:pt x="3982942" y="4587399"/>
+                </a:cubicBezTo>
+                <a:cubicBezTo>
+                  <a:pt x="4051417" y="4608719"/>
+                  <a:pt x="4119891" y="4587399"/>
+                  <a:pt x="4185513" y="4541205"/>
+                </a:cubicBezTo>
+                <a:cubicBezTo>
+                  <a:pt x="4291078" y="4466584"/>
+                  <a:pt x="5010062" y="4523438"/>
+                  <a:pt x="5212633" y="4455924"/>
+                </a:cubicBezTo>
+                <a:cubicBezTo>
+                  <a:pt x="5241164" y="4445264"/>
+                  <a:pt x="5283960" y="4409730"/>
+                  <a:pt x="5312492" y="4473691"/>
+                </a:cubicBezTo>
+                <a:cubicBezTo>
+                  <a:pt x="5098508" y="4704659"/>
+                  <a:pt x="4833169" y="4654913"/>
+                  <a:pt x="4596361" y="4818368"/>
+                </a:cubicBezTo>
+                <a:cubicBezTo>
+                  <a:pt x="4684807" y="4917861"/>
+                  <a:pt x="4776107" y="4907202"/>
+                  <a:pt x="4873113" y="4885882"/>
+                </a:cubicBezTo>
+                <a:cubicBezTo>
+                  <a:pt x="4895938" y="4878775"/>
+                  <a:pt x="4930175" y="4871668"/>
+                  <a:pt x="4935881" y="4914309"/>
+                </a:cubicBezTo>
+                <a:cubicBezTo>
+                  <a:pt x="4941587" y="4967609"/>
+                  <a:pt x="4898790" y="4978270"/>
+                  <a:pt x="4873113" y="5003143"/>
+                </a:cubicBezTo>
+                <a:cubicBezTo>
+                  <a:pt x="4833169" y="5038676"/>
+                  <a:pt x="4773254" y="4999590"/>
+                  <a:pt x="4721898" y="5095530"/>
+                </a:cubicBezTo>
+                <a:cubicBezTo>
+                  <a:pt x="4873113" y="5067104"/>
+                  <a:pt x="4998650" y="5020910"/>
+                  <a:pt x="5132745" y="4949842"/>
+                </a:cubicBezTo>
+                <a:cubicBezTo>
+                  <a:pt x="5121333" y="5006696"/>
+                  <a:pt x="5081390" y="5035123"/>
+                  <a:pt x="5101362" y="5081317"/>
+                </a:cubicBezTo>
+                <a:cubicBezTo>
+                  <a:pt x="5118480" y="5116850"/>
+                  <a:pt x="5164130" y="5131063"/>
+                  <a:pt x="5138452" y="5198578"/>
+                </a:cubicBezTo>
+                <a:cubicBezTo>
+                  <a:pt x="5067125" y="5273199"/>
+                  <a:pt x="4967265" y="5258986"/>
+                  <a:pt x="4904497" y="5362033"/>
+                </a:cubicBezTo>
+                <a:cubicBezTo>
+                  <a:pt x="4818903" y="5507721"/>
+                  <a:pt x="4684807" y="5564575"/>
+                  <a:pt x="4579242" y="5674729"/>
+                </a:cubicBezTo>
+                <a:cubicBezTo>
+                  <a:pt x="4545005" y="5713816"/>
+                  <a:pt x="4313903" y="5841738"/>
+                  <a:pt x="4253988" y="5884379"/>
+                </a:cubicBezTo>
+                <a:cubicBezTo>
+                  <a:pt x="4168395" y="5944786"/>
+                  <a:pt x="4071389" y="5966106"/>
+                  <a:pt x="3985795" y="6069153"/>
+                </a:cubicBezTo>
+                <a:cubicBezTo>
+                  <a:pt x="4065682" y="6086921"/>
+                  <a:pt x="4134157" y="5990979"/>
+                  <a:pt x="4231163" y="6030066"/>
+                </a:cubicBezTo>
+                <a:cubicBezTo>
+                  <a:pt x="4074242" y="6133114"/>
+                  <a:pt x="3931586" y="6182861"/>
+                  <a:pt x="3814609" y="6317889"/>
+                </a:cubicBezTo>
+                <a:cubicBezTo>
+                  <a:pt x="3800343" y="6335656"/>
+                  <a:pt x="3771812" y="6332102"/>
+                  <a:pt x="3751840" y="6339209"/>
+                </a:cubicBezTo>
+                <a:cubicBezTo>
+                  <a:pt x="3529298" y="6406723"/>
+                  <a:pt x="3309608" y="6467130"/>
+                  <a:pt x="3089919" y="6563071"/>
+                </a:cubicBezTo>
+                <a:cubicBezTo>
+                  <a:pt x="3041416" y="6584392"/>
+                  <a:pt x="2955823" y="6595052"/>
+                  <a:pt x="2961529" y="6662566"/>
+                </a:cubicBezTo>
+                <a:cubicBezTo>
+                  <a:pt x="2972941" y="6765613"/>
+                  <a:pt x="3055681" y="6687439"/>
+                  <a:pt x="3107038" y="6673226"/>
+                </a:cubicBezTo>
+                <a:cubicBezTo>
+                  <a:pt x="3269664" y="6634138"/>
+                  <a:pt x="3432292" y="6570178"/>
+                  <a:pt x="3594919" y="6591499"/>
+                </a:cubicBezTo>
+                <a:cubicBezTo>
+                  <a:pt x="3483648" y="6637693"/>
+                  <a:pt x="3372376" y="6680332"/>
+                  <a:pt x="3261106" y="6726527"/>
+                </a:cubicBezTo>
+                <a:cubicBezTo>
+                  <a:pt x="3386642" y="6705206"/>
+                  <a:pt x="3495061" y="6786934"/>
+                  <a:pt x="3620597" y="6740740"/>
+                </a:cubicBezTo>
+                <a:cubicBezTo>
+                  <a:pt x="3660541" y="6726527"/>
+                  <a:pt x="3700484" y="6765613"/>
+                  <a:pt x="3703337" y="6826020"/>
+                </a:cubicBezTo>
+                <a:cubicBezTo>
+                  <a:pt x="3706191" y="6847340"/>
+                  <a:pt x="3700484" y="6865108"/>
+                  <a:pt x="3689072" y="6879321"/>
+                </a:cubicBezTo>
+                <a:lnTo>
+                  <a:pt x="0" y="6879321"/>
+                </a:lnTo>
+                <a:close/>
+              </a:path>
+            </a:pathLst>
+          </a:custGeom>
+          <a:solidFill>
+            <a:schemeClr val="bg2">
+              <a:alpha val="50000"/>
+            </a:schemeClr>
+          </a:solidFill>
+          <a:ln w="32707" cap="flat">
+            <a:noFill/>
+            <a:prstDash val="solid"/>
+            <a:miter/>
+          </a:ln>
+        </p:spPr>
+        <p:txBody>
+          <a:bodyPr wrap="square" rtlCol="0" anchor="ctr">
+            <a:noAutofit/>
+          </a:bodyPr>
+          <a:lstStyle/>
+          <a:p>
+            <a:pPr algn="ctr"/>
+            <a:endParaRPr lang="en-US"/>
+          </a:p>
+        </p:txBody>
+      </p:sp>
       <p:pic>
         <p:nvPicPr>
-          <p:cNvPr id="9" name="Рисунок 9" descr="Изображение выглядит как текст, кот, домашняя кошка, рама картины&#10;&#10;Автоматически созданное описание">
+          <p:cNvPr id="6" name="Рисунок 6" descr="Изображение выглядит как текст, электроника&#10;&#10;Автоматически созданное описание">
             <a:extLst>
               <a:ext uri="{FF2B5EF4-FFF2-40B4-BE49-F238E27FC236}">
-                <a16:creationId xmlns:a16="http://schemas.microsoft.com/office/drawing/2014/main" id="{87976CBB-C715-40C3-BCCF-E9726BF575D0}"/>
+                <a16:creationId xmlns:a16="http://schemas.microsoft.com/office/drawing/2014/main" id="{385FCD0C-3820-4B53-8F2B-9F705D3B2BA0}"/>
               </a:ext>
             </a:extLst>
           </p:cNvPr>
@@ -13889,25 +15334,66 @@
           </p:cNvPicPr>
           <p:nvPr/>
         </p:nvPicPr>
-        <p:blipFill rotWithShape="1">
+        <p:blipFill>
           <a:blip r:embed="rId2"/>
-          <a:srcRect t="161" r="30679" b="7729"/>
-          <a:stretch/>
+          <a:stretch>
+            <a:fillRect/>
+          </a:stretch>
         </p:blipFill>
         <p:spPr>
           <a:xfrm>
-            <a:off x="-500" y="2271"/>
-            <a:ext cx="12192998" cy="6816286"/>
+            <a:off x="1027713" y="983767"/>
+            <a:ext cx="2342046" cy="5063885"/>
           </a:xfrm>
           <a:prstGeom prst="rect">
             <a:avLst/>
           </a:prstGeom>
         </p:spPr>
       </p:pic>
+      <p:sp>
+        <p:nvSpPr>
+          <p:cNvPr id="3" name="Объект 2">
+            <a:extLst>
+              <a:ext uri="{FF2B5EF4-FFF2-40B4-BE49-F238E27FC236}">
+                <a16:creationId xmlns:a16="http://schemas.microsoft.com/office/drawing/2014/main" id="{94402762-A117-4DEA-B499-F1FC87275201}"/>
+              </a:ext>
+            </a:extLst>
+          </p:cNvPr>
+          <p:cNvSpPr>
+            <a:spLocks noGrp="1"/>
+          </p:cNvSpPr>
+          <p:nvPr>
+            <p:ph idx="1"/>
+          </p:nvPr>
+        </p:nvSpPr>
+        <p:spPr>
+          <a:xfrm>
+            <a:off x="6248400" y="2497257"/>
+            <a:ext cx="5105398" cy="3679705"/>
+          </a:xfrm>
+        </p:spPr>
+        <p:txBody>
+          <a:bodyPr vert="horz" lIns="91440" tIns="45720" rIns="91440" bIns="45720" rtlCol="0">
+            <a:normAutofit/>
+          </a:bodyPr>
+          <a:lstStyle/>
+          <a:p>
+            <a:pPr marL="0" indent="0">
+              <a:buNone/>
+            </a:pPr>
+            <a:r>
+              <a:rPr lang="ru-RU" sz="2000">
+                <a:cs typeface="Calibri"/>
+              </a:rPr>
+              <a:t>Моя программа может с лёгкостью запускаться как на компьютере, так и на телефоне. Но, к сожалению, из-за разного размера экранов игровое поле выходит слишком маленьким, но все функции работают исправно.</a:t>
+            </a:r>
+          </a:p>
+        </p:txBody>
+      </p:sp>
     </p:spTree>
     <p:extLst>
       <p:ext uri="{BB962C8B-B14F-4D97-AF65-F5344CB8AC3E}">
-        <p14:creationId xmlns:p14="http://schemas.microsoft.com/office/powerpoint/2010/main" val="1375807866"/>
+        <p14:creationId xmlns:p14="http://schemas.microsoft.com/office/powerpoint/2010/main" val="2112987800"/>
       </p:ext>
     </p:extLst>
   </p:cSld>
